--- a/CommitteeMeeting_20150423.pptx
+++ b/CommitteeMeeting_20150423.pptx
@@ -168,7 +168,7 @@
   </p:defaultTextStyle>
   <p:extLst>
     <p:ext uri="{EFAFB233-063F-42B5-8137-9DF3F51BA10A}">
-      <p15:sldGuideLst xmlns:p15="http://schemas.microsoft.com/office/powerpoint/2012/main">
+      <p15:sldGuideLst xmlns:p15="http://schemas.microsoft.com/office/powerpoint/2012/main" xmlns="">
         <p15:guide id="1" orient="horz" pos="2160">
           <p15:clr>
             <a:srgbClr val="A4A3A4"/>
@@ -267,7 +267,7 @@
           <a:p>
             <a:fld id="{C92D175A-324D-4F80-820B-522BA4344609}" type="datetimeFigureOut">
               <a:rPr lang="en-US" smtClean="0"/>
-              <a:t>4/22/2015</a:t>
+              <a:t>9/12/2016</a:t>
             </a:fld>
             <a:endParaRPr lang="en-US"/>
           </a:p>
@@ -432,7 +432,7 @@
           <a:p>
             <a:fld id="{17B348D4-D52D-4205-A3CC-17B3624051DC}" type="datetimeFigureOut">
               <a:rPr lang="en-US" smtClean="0"/>
-              <a:t>4/22/2015</a:t>
+              <a:t>9/12/2016</a:t>
             </a:fld>
             <a:endParaRPr lang="en-US"/>
           </a:p>
@@ -1302,7 +1302,7 @@
             <a:fld id="{1D8BD707-D9CF-40AE-B4C6-C98DA3205C09}" type="datetimeFigureOut">
               <a:rPr lang="en-US" smtClean="0"/>
               <a:pPr/>
-              <a:t>4/22/2015</a:t>
+              <a:t>9/12/2016</a:t>
             </a:fld>
             <a:endParaRPr lang="en-US"/>
           </a:p>
@@ -1469,7 +1469,7 @@
             <a:fld id="{1D8BD707-D9CF-40AE-B4C6-C98DA3205C09}" type="datetimeFigureOut">
               <a:rPr lang="en-US" smtClean="0"/>
               <a:pPr/>
-              <a:t>4/22/2015</a:t>
+              <a:t>9/12/2016</a:t>
             </a:fld>
             <a:endParaRPr lang="en-US"/>
           </a:p>
@@ -1646,7 +1646,7 @@
             <a:fld id="{1D8BD707-D9CF-40AE-B4C6-C98DA3205C09}" type="datetimeFigureOut">
               <a:rPr lang="en-US" smtClean="0"/>
               <a:pPr/>
-              <a:t>4/22/2015</a:t>
+              <a:t>9/12/2016</a:t>
             </a:fld>
             <a:endParaRPr lang="en-US"/>
           </a:p>
@@ -1813,7 +1813,7 @@
             <a:fld id="{1D8BD707-D9CF-40AE-B4C6-C98DA3205C09}" type="datetimeFigureOut">
               <a:rPr lang="en-US" smtClean="0"/>
               <a:pPr/>
-              <a:t>4/22/2015</a:t>
+              <a:t>9/12/2016</a:t>
             </a:fld>
             <a:endParaRPr lang="en-US"/>
           </a:p>
@@ -2056,7 +2056,7 @@
             <a:fld id="{1D8BD707-D9CF-40AE-B4C6-C98DA3205C09}" type="datetimeFigureOut">
               <a:rPr lang="en-US" smtClean="0"/>
               <a:pPr/>
-              <a:t>4/22/2015</a:t>
+              <a:t>9/12/2016</a:t>
             </a:fld>
             <a:endParaRPr lang="en-US"/>
           </a:p>
@@ -2341,7 +2341,7 @@
             <a:fld id="{1D8BD707-D9CF-40AE-B4C6-C98DA3205C09}" type="datetimeFigureOut">
               <a:rPr lang="en-US" smtClean="0"/>
               <a:pPr/>
-              <a:t>4/22/2015</a:t>
+              <a:t>9/12/2016</a:t>
             </a:fld>
             <a:endParaRPr lang="en-US"/>
           </a:p>
@@ -2760,7 +2760,7 @@
             <a:fld id="{1D8BD707-D9CF-40AE-B4C6-C98DA3205C09}" type="datetimeFigureOut">
               <a:rPr lang="en-US" smtClean="0"/>
               <a:pPr/>
-              <a:t>4/22/2015</a:t>
+              <a:t>9/12/2016</a:t>
             </a:fld>
             <a:endParaRPr lang="en-US"/>
           </a:p>
@@ -2875,7 +2875,7 @@
             <a:fld id="{1D8BD707-D9CF-40AE-B4C6-C98DA3205C09}" type="datetimeFigureOut">
               <a:rPr lang="en-US" smtClean="0"/>
               <a:pPr/>
-              <a:t>4/22/2015</a:t>
+              <a:t>9/12/2016</a:t>
             </a:fld>
             <a:endParaRPr lang="en-US"/>
           </a:p>
@@ -2967,7 +2967,7 @@
             <a:fld id="{1D8BD707-D9CF-40AE-B4C6-C98DA3205C09}" type="datetimeFigureOut">
               <a:rPr lang="en-US" smtClean="0"/>
               <a:pPr/>
-              <a:t>4/22/2015</a:t>
+              <a:t>9/12/2016</a:t>
             </a:fld>
             <a:endParaRPr lang="en-US"/>
           </a:p>
@@ -3241,7 +3241,7 @@
             <a:fld id="{1D8BD707-D9CF-40AE-B4C6-C98DA3205C09}" type="datetimeFigureOut">
               <a:rPr lang="en-US" smtClean="0"/>
               <a:pPr/>
-              <a:t>4/22/2015</a:t>
+              <a:t>9/12/2016</a:t>
             </a:fld>
             <a:endParaRPr lang="en-US"/>
           </a:p>
@@ -3491,7 +3491,7 @@
             <a:fld id="{1D8BD707-D9CF-40AE-B4C6-C98DA3205C09}" type="datetimeFigureOut">
               <a:rPr lang="en-US" smtClean="0"/>
               <a:pPr/>
-              <a:t>4/22/2015</a:t>
+              <a:t>9/12/2016</a:t>
             </a:fld>
             <a:endParaRPr lang="en-US"/>
           </a:p>
@@ -3701,7 +3701,7 @@
             <a:fld id="{1D8BD707-D9CF-40AE-B4C6-C98DA3205C09}" type="datetimeFigureOut">
               <a:rPr lang="en-US" smtClean="0"/>
               <a:pPr/>
-              <a:t>4/22/2015</a:t>
+              <a:t>9/12/2016</a:t>
             </a:fld>
             <a:endParaRPr lang="en-US"/>
           </a:p>
@@ -4309,8 +4309,8 @@
           </a:p>
         </p:txBody>
       </p:sp>
-      <mc:AlternateContent xmlns:mc="http://schemas.openxmlformats.org/markup-compatibility/2006">
-        <mc:Choice xmlns:a14="http://schemas.microsoft.com/office/drawing/2010/main" Requires="a14">
+      <mc:AlternateContent xmlns:mc="http://schemas.openxmlformats.org/markup-compatibility/2006" xmlns:a14="http://schemas.microsoft.com/office/drawing/2010/main">
+        <mc:Choice Requires="a14">
           <p:sp>
             <p:nvSpPr>
               <p:cNvPr id="3" name="Content Placeholder 2"/>
@@ -4350,7 +4350,7 @@
                       <m:sSubPr>
                         <m:ctrlPr>
                           <a:rPr lang="en-US" sz="2400" b="0" i="1" smtClean="0">
-                            <a:latin typeface="Cambria Math" panose="02040503050406030204" pitchFamily="18" charset="0"/>
+                            <a:latin typeface="Cambria Math"/>
                           </a:rPr>
                         </m:ctrlPr>
                       </m:sSubPr>
@@ -4460,7 +4460,7 @@
             </p:txBody>
           </p:sp>
         </mc:Choice>
-        <mc:Fallback>
+        <mc:Fallback xmlns="">
           <p:sp>
             <p:nvSpPr>
               <p:cNvPr id="3" name="Content Placeholder 2"/>
@@ -6299,8 +6299,8 @@
           </p:sp>
         </mc:Fallback>
       </mc:AlternateContent>
-      <mc:AlternateContent xmlns:mc="http://schemas.openxmlformats.org/markup-compatibility/2006">
-        <mc:Choice xmlns:a14="http://schemas.microsoft.com/office/drawing/2010/main" Requires="a14">
+      <mc:AlternateContent xmlns:mc="http://schemas.openxmlformats.org/markup-compatibility/2006" xmlns:a14="http://schemas.microsoft.com/office/drawing/2010/main">
+        <mc:Choice Requires="a14">
           <p:sp>
             <p:nvSpPr>
               <p:cNvPr id="57" name="TextBox 56"/>
@@ -6334,7 +6334,7 @@
                         <m:funcPr>
                           <m:ctrlPr>
                             <a:rPr lang="en-US" sz="2400" b="0" i="1" smtClean="0">
-                              <a:latin typeface="Cambria Math" panose="02040503050406030204" pitchFamily="18" charset="0"/>
+                              <a:latin typeface="Cambria Math"/>
                             </a:rPr>
                           </m:ctrlPr>
                         </m:funcPr>
@@ -6375,7 +6375,7 @@
             </p:txBody>
           </p:sp>
         </mc:Choice>
-        <mc:Fallback>
+        <mc:Fallback xmlns="">
           <p:sp>
             <p:nvSpPr>
               <p:cNvPr id="57" name="TextBox 56"/>
@@ -6414,8 +6414,8 @@
           </p:sp>
         </mc:Fallback>
       </mc:AlternateContent>
-      <mc:AlternateContent xmlns:mc="http://schemas.openxmlformats.org/markup-compatibility/2006">
-        <mc:Choice xmlns:a14="http://schemas.microsoft.com/office/drawing/2010/main" Requires="a14">
+      <mc:AlternateContent xmlns:mc="http://schemas.openxmlformats.org/markup-compatibility/2006" xmlns:a14="http://schemas.microsoft.com/office/drawing/2010/main">
+        <mc:Choice Requires="a14">
           <p:sp>
             <p:nvSpPr>
               <p:cNvPr id="4" name="TextBox 3"/>
@@ -6438,7 +6438,6 @@
               </a:bodyPr>
               <a:lstStyle/>
               <a:p>
-                <a:pPr/>
                 <a14:m>
                   <m:oMath xmlns:m="http://schemas.openxmlformats.org/officeDocument/2006/math">
                     <m:r>
@@ -6482,7 +6481,7 @@
             </p:txBody>
           </p:sp>
         </mc:Choice>
-        <mc:Fallback>
+        <mc:Fallback xmlns="">
           <p:sp>
             <p:nvSpPr>
               <p:cNvPr id="4" name="TextBox 3"/>
@@ -6521,8 +6520,8 @@
           </p:sp>
         </mc:Fallback>
       </mc:AlternateContent>
-      <mc:AlternateContent xmlns:mc="http://schemas.openxmlformats.org/markup-compatibility/2006">
-        <mc:Choice xmlns:a14="http://schemas.microsoft.com/office/drawing/2010/main" Requires="a14">
+      <mc:AlternateContent xmlns:mc="http://schemas.openxmlformats.org/markup-compatibility/2006" xmlns:a14="http://schemas.microsoft.com/office/drawing/2010/main">
+        <mc:Choice Requires="a14">
           <p:sp>
             <p:nvSpPr>
               <p:cNvPr id="61" name="TextBox 60"/>
@@ -6556,7 +6555,7 @@
                         <m:funcPr>
                           <m:ctrlPr>
                             <a:rPr lang="en-US" sz="2400" b="0" i="1" smtClean="0">
-                              <a:latin typeface="Cambria Math" panose="02040503050406030204" pitchFamily="18" charset="0"/>
+                              <a:latin typeface="Cambria Math"/>
                             </a:rPr>
                           </m:ctrlPr>
                         </m:funcPr>
@@ -6597,7 +6596,7 @@
             </p:txBody>
           </p:sp>
         </mc:Choice>
-        <mc:Fallback>
+        <mc:Fallback xmlns="">
           <p:sp>
             <p:nvSpPr>
               <p:cNvPr id="61" name="TextBox 60"/>
@@ -6636,8 +6635,8 @@
           </p:sp>
         </mc:Fallback>
       </mc:AlternateContent>
-      <mc:AlternateContent xmlns:mc="http://schemas.openxmlformats.org/markup-compatibility/2006">
-        <mc:Choice xmlns:a14="http://schemas.microsoft.com/office/drawing/2010/main" Requires="a14">
+      <mc:AlternateContent xmlns:mc="http://schemas.openxmlformats.org/markup-compatibility/2006" xmlns:a14="http://schemas.microsoft.com/office/drawing/2010/main">
+        <mc:Choice Requires="a14">
           <p:sp>
             <p:nvSpPr>
               <p:cNvPr id="62" name="TextBox 61"/>
@@ -6671,7 +6670,7 @@
                         <m:funcPr>
                           <m:ctrlPr>
                             <a:rPr lang="en-US" sz="2400" b="0" i="1" smtClean="0">
-                              <a:latin typeface="Cambria Math" panose="02040503050406030204" pitchFamily="18" charset="0"/>
+                              <a:latin typeface="Cambria Math"/>
                             </a:rPr>
                           </m:ctrlPr>
                         </m:funcPr>
@@ -6712,7 +6711,7 @@
             </p:txBody>
           </p:sp>
         </mc:Choice>
-        <mc:Fallback>
+        <mc:Fallback xmlns="">
           <p:sp>
             <p:nvSpPr>
               <p:cNvPr id="62" name="TextBox 61"/>
@@ -6926,8 +6925,8 @@
           </a:p>
         </p:txBody>
       </p:sp>
-      <mc:AlternateContent xmlns:mc="http://schemas.openxmlformats.org/markup-compatibility/2006">
-        <mc:Choice xmlns:a14="http://schemas.microsoft.com/office/drawing/2010/main" Requires="a14">
+      <mc:AlternateContent xmlns:mc="http://schemas.openxmlformats.org/markup-compatibility/2006" xmlns:a14="http://schemas.microsoft.com/office/drawing/2010/main">
+        <mc:Choice Requires="a14">
           <p:sp>
             <p:nvSpPr>
               <p:cNvPr id="3" name="Content Placeholder 2"/>
@@ -6967,7 +6966,7 @@
                       <m:sSubPr>
                         <m:ctrlPr>
                           <a:rPr lang="en-US" sz="2400" b="0" i="1" smtClean="0">
-                            <a:latin typeface="Cambria Math" panose="02040503050406030204" pitchFamily="18" charset="0"/>
+                            <a:latin typeface="Cambria Math"/>
                           </a:rPr>
                         </m:ctrlPr>
                       </m:sSubPr>
@@ -7072,7 +7071,7 @@
             </p:txBody>
           </p:sp>
         </mc:Choice>
-        <mc:Fallback>
+        <mc:Fallback xmlns="">
           <p:sp>
             <p:nvSpPr>
               <p:cNvPr id="3" name="Content Placeholder 2"/>
@@ -8911,8 +8910,8 @@
           </p:sp>
         </mc:Fallback>
       </mc:AlternateContent>
-      <mc:AlternateContent xmlns:mc="http://schemas.openxmlformats.org/markup-compatibility/2006">
-        <mc:Choice xmlns:a14="http://schemas.microsoft.com/office/drawing/2010/main" Requires="a14">
+      <mc:AlternateContent xmlns:mc="http://schemas.openxmlformats.org/markup-compatibility/2006" xmlns:a14="http://schemas.microsoft.com/office/drawing/2010/main">
+        <mc:Choice Requires="a14">
           <p:sp>
             <p:nvSpPr>
               <p:cNvPr id="57" name="TextBox 56"/>
@@ -8946,7 +8945,7 @@
                         <m:funcPr>
                           <m:ctrlPr>
                             <a:rPr lang="en-US" sz="2400" b="0" i="1" smtClean="0">
-                              <a:latin typeface="Cambria Math" panose="02040503050406030204" pitchFamily="18" charset="0"/>
+                              <a:latin typeface="Cambria Math"/>
                             </a:rPr>
                           </m:ctrlPr>
                         </m:funcPr>
@@ -9022,7 +9021,7 @@
             </p:txBody>
           </p:sp>
         </mc:Choice>
-        <mc:Fallback>
+        <mc:Fallback xmlns="">
           <p:sp>
             <p:nvSpPr>
               <p:cNvPr id="57" name="TextBox 56"/>
@@ -9061,8 +9060,8 @@
           </p:sp>
         </mc:Fallback>
       </mc:AlternateContent>
-      <mc:AlternateContent xmlns:mc="http://schemas.openxmlformats.org/markup-compatibility/2006">
-        <mc:Choice xmlns:a14="http://schemas.microsoft.com/office/drawing/2010/main" Requires="a14">
+      <mc:AlternateContent xmlns:mc="http://schemas.openxmlformats.org/markup-compatibility/2006" xmlns:a14="http://schemas.microsoft.com/office/drawing/2010/main">
+        <mc:Choice Requires="a14">
           <p:sp>
             <p:nvSpPr>
               <p:cNvPr id="58" name="TextBox 57"/>
@@ -9096,7 +9095,7 @@
                         <m:funcPr>
                           <m:ctrlPr>
                             <a:rPr lang="en-US" sz="2400" b="0" i="1" smtClean="0">
-                              <a:latin typeface="Cambria Math" panose="02040503050406030204" pitchFamily="18" charset="0"/>
+                              <a:latin typeface="Cambria Math"/>
                             </a:rPr>
                           </m:ctrlPr>
                         </m:funcPr>
@@ -9172,7 +9171,7 @@
             </p:txBody>
           </p:sp>
         </mc:Choice>
-        <mc:Fallback>
+        <mc:Fallback xmlns="">
           <p:sp>
             <p:nvSpPr>
               <p:cNvPr id="58" name="TextBox 57"/>
@@ -9211,8 +9210,8 @@
           </p:sp>
         </mc:Fallback>
       </mc:AlternateContent>
-      <mc:AlternateContent xmlns:mc="http://schemas.openxmlformats.org/markup-compatibility/2006">
-        <mc:Choice xmlns:a14="http://schemas.microsoft.com/office/drawing/2010/main" Requires="a14">
+      <mc:AlternateContent xmlns:mc="http://schemas.openxmlformats.org/markup-compatibility/2006" xmlns:a14="http://schemas.microsoft.com/office/drawing/2010/main">
+        <mc:Choice Requires="a14">
           <p:sp>
             <p:nvSpPr>
               <p:cNvPr id="59" name="TextBox 58"/>
@@ -9246,7 +9245,7 @@
                         <m:funcPr>
                           <m:ctrlPr>
                             <a:rPr lang="en-US" sz="2400" b="0" i="1" smtClean="0">
-                              <a:latin typeface="Cambria Math" panose="02040503050406030204" pitchFamily="18" charset="0"/>
+                              <a:latin typeface="Cambria Math"/>
                             </a:rPr>
                           </m:ctrlPr>
                         </m:funcPr>
@@ -9322,7 +9321,7 @@
             </p:txBody>
           </p:sp>
         </mc:Choice>
-        <mc:Fallback>
+        <mc:Fallback xmlns="">
           <p:sp>
             <p:nvSpPr>
               <p:cNvPr id="59" name="TextBox 58"/>
@@ -9361,8 +9360,8 @@
           </p:sp>
         </mc:Fallback>
       </mc:AlternateContent>
-      <mc:AlternateContent xmlns:mc="http://schemas.openxmlformats.org/markup-compatibility/2006">
-        <mc:Choice xmlns:a14="http://schemas.microsoft.com/office/drawing/2010/main" Requires="a14">
+      <mc:AlternateContent xmlns:mc="http://schemas.openxmlformats.org/markup-compatibility/2006" xmlns:a14="http://schemas.microsoft.com/office/drawing/2010/main">
+        <mc:Choice Requires="a14">
           <p:sp>
             <p:nvSpPr>
               <p:cNvPr id="4" name="TextBox 3"/>
@@ -9385,7 +9384,6 @@
               </a:bodyPr>
               <a:lstStyle/>
               <a:p>
-                <a:pPr/>
                 <a14:m>
                   <m:oMath xmlns:m="http://schemas.openxmlformats.org/officeDocument/2006/math">
                     <m:r>
@@ -9429,7 +9427,7 @@
             </p:txBody>
           </p:sp>
         </mc:Choice>
-        <mc:Fallback>
+        <mc:Fallback xmlns="">
           <p:sp>
             <p:nvSpPr>
               <p:cNvPr id="4" name="TextBox 3"/>
@@ -9643,8 +9641,8 @@
           </a:p>
         </p:txBody>
       </p:sp>
-      <mc:AlternateContent xmlns:mc="http://schemas.openxmlformats.org/markup-compatibility/2006">
-        <mc:Choice xmlns:a14="http://schemas.microsoft.com/office/drawing/2010/main" Requires="a14">
+      <mc:AlternateContent xmlns:mc="http://schemas.openxmlformats.org/markup-compatibility/2006" xmlns:a14="http://schemas.microsoft.com/office/drawing/2010/main">
+        <mc:Choice Requires="a14">
           <p:sp>
             <p:nvSpPr>
               <p:cNvPr id="3" name="Content Placeholder 2"/>
@@ -9684,7 +9682,7 @@
                       <m:sSubPr>
                         <m:ctrlPr>
                           <a:rPr lang="en-US" sz="2400" b="0" i="1" smtClean="0">
-                            <a:latin typeface="Cambria Math" panose="02040503050406030204" pitchFamily="18" charset="0"/>
+                            <a:latin typeface="Cambria Math"/>
                           </a:rPr>
                         </m:ctrlPr>
                       </m:sSubPr>
@@ -9789,7 +9787,7 @@
             </p:txBody>
           </p:sp>
         </mc:Choice>
-        <mc:Fallback>
+        <mc:Fallback xmlns="">
           <p:sp>
             <p:nvSpPr>
               <p:cNvPr id="3" name="Content Placeholder 2"/>
@@ -11628,8 +11626,8 @@
           </p:sp>
         </mc:Fallback>
       </mc:AlternateContent>
-      <mc:AlternateContent xmlns:mc="http://schemas.openxmlformats.org/markup-compatibility/2006">
-        <mc:Choice xmlns:a14="http://schemas.microsoft.com/office/drawing/2010/main" Requires="a14">
+      <mc:AlternateContent xmlns:mc="http://schemas.openxmlformats.org/markup-compatibility/2006" xmlns:a14="http://schemas.microsoft.com/office/drawing/2010/main">
+        <mc:Choice Requires="a14">
           <p:sp>
             <p:nvSpPr>
               <p:cNvPr id="57" name="TextBox 56"/>
@@ -11663,7 +11661,7 @@
                         <m:funcPr>
                           <m:ctrlPr>
                             <a:rPr lang="en-US" sz="2400" b="0" i="1" smtClean="0">
-                              <a:latin typeface="Cambria Math" panose="02040503050406030204" pitchFamily="18" charset="0"/>
+                              <a:latin typeface="Cambria Math"/>
                             </a:rPr>
                           </m:ctrlPr>
                         </m:funcPr>
@@ -11739,7 +11737,7 @@
             </p:txBody>
           </p:sp>
         </mc:Choice>
-        <mc:Fallback>
+        <mc:Fallback xmlns="">
           <p:sp>
             <p:nvSpPr>
               <p:cNvPr id="57" name="TextBox 56"/>
@@ -11778,8 +11776,8 @@
           </p:sp>
         </mc:Fallback>
       </mc:AlternateContent>
-      <mc:AlternateContent xmlns:mc="http://schemas.openxmlformats.org/markup-compatibility/2006">
-        <mc:Choice xmlns:a14="http://schemas.microsoft.com/office/drawing/2010/main" Requires="a14">
+      <mc:AlternateContent xmlns:mc="http://schemas.openxmlformats.org/markup-compatibility/2006" xmlns:a14="http://schemas.microsoft.com/office/drawing/2010/main">
+        <mc:Choice Requires="a14">
           <p:sp>
             <p:nvSpPr>
               <p:cNvPr id="58" name="TextBox 57"/>
@@ -11813,7 +11811,7 @@
                         <m:funcPr>
                           <m:ctrlPr>
                             <a:rPr lang="en-US" sz="2400" b="0" i="1" smtClean="0">
-                              <a:latin typeface="Cambria Math" panose="02040503050406030204" pitchFamily="18" charset="0"/>
+                              <a:latin typeface="Cambria Math"/>
                             </a:rPr>
                           </m:ctrlPr>
                         </m:funcPr>
@@ -11889,7 +11887,7 @@
             </p:txBody>
           </p:sp>
         </mc:Choice>
-        <mc:Fallback>
+        <mc:Fallback xmlns="">
           <p:sp>
             <p:nvSpPr>
               <p:cNvPr id="58" name="TextBox 57"/>
@@ -11928,8 +11926,8 @@
           </p:sp>
         </mc:Fallback>
       </mc:AlternateContent>
-      <mc:AlternateContent xmlns:mc="http://schemas.openxmlformats.org/markup-compatibility/2006">
-        <mc:Choice xmlns:a14="http://schemas.microsoft.com/office/drawing/2010/main" Requires="a14">
+      <mc:AlternateContent xmlns:mc="http://schemas.openxmlformats.org/markup-compatibility/2006" xmlns:a14="http://schemas.microsoft.com/office/drawing/2010/main">
+        <mc:Choice Requires="a14">
           <p:sp>
             <p:nvSpPr>
               <p:cNvPr id="59" name="TextBox 58"/>
@@ -11963,7 +11961,7 @@
                         <m:funcPr>
                           <m:ctrlPr>
                             <a:rPr lang="en-US" sz="2400" b="0" i="1" smtClean="0">
-                              <a:latin typeface="Cambria Math" panose="02040503050406030204" pitchFamily="18" charset="0"/>
+                              <a:latin typeface="Cambria Math"/>
                             </a:rPr>
                           </m:ctrlPr>
                         </m:funcPr>
@@ -12039,7 +12037,7 @@
             </p:txBody>
           </p:sp>
         </mc:Choice>
-        <mc:Fallback>
+        <mc:Fallback xmlns="">
           <p:sp>
             <p:nvSpPr>
               <p:cNvPr id="59" name="TextBox 58"/>
@@ -12130,7 +12128,7 @@
                           <m:chr m:val="∑"/>
                           <m:ctrlPr>
                             <a:rPr lang="en-US" sz="2800" b="0" i="1" smtClean="0">
-                              <a:latin typeface="Cambria Math" panose="02040503050406030204" pitchFamily="18" charset="0"/>
+                              <a:latin typeface="Cambria Math"/>
                               <a:cs typeface="Times New Roman" pitchFamily="18" charset="0"/>
                             </a:rPr>
                           </m:ctrlPr>
@@ -12140,7 +12138,7 @@
                             <m:sSubPr>
                               <m:ctrlPr>
                                 <a:rPr lang="en-US" sz="2800" b="0" i="1" smtClean="0">
-                                  <a:latin typeface="Cambria Math" panose="02040503050406030204" pitchFamily="18" charset="0"/>
+                                  <a:latin typeface="Cambria Math"/>
                                   <a:cs typeface="Times New Roman" pitchFamily="18" charset="0"/>
                                 </a:rPr>
                               </m:ctrlPr>
@@ -12193,7 +12191,7 @@
                             <m:sSubPr>
                               <m:ctrlPr>
                                 <a:rPr lang="en-US" sz="2800" b="0" i="1" smtClean="0">
-                                  <a:latin typeface="Cambria Math" panose="02040503050406030204" pitchFamily="18" charset="0"/>
+                                  <a:latin typeface="Cambria Math"/>
                                   <a:cs typeface="Times New Roman" pitchFamily="18" charset="0"/>
                                 </a:rPr>
                               </m:ctrlPr>
@@ -12226,7 +12224,7 @@
                             <m:sSubPr>
                               <m:ctrlPr>
                                 <a:rPr lang="en-US" sz="2800" b="0" i="1" smtClean="0">
-                                  <a:latin typeface="Cambria Math" panose="02040503050406030204" pitchFamily="18" charset="0"/>
+                                  <a:latin typeface="Cambria Math"/>
                                   <a:cs typeface="Times New Roman" pitchFamily="18" charset="0"/>
                                 </a:rPr>
                               </m:ctrlPr>
@@ -12262,7 +12260,7 @@
                             <m:funcPr>
                               <m:ctrlPr>
                                 <a:rPr lang="en-US" sz="2800" b="0" i="1" smtClean="0">
-                                  <a:latin typeface="Cambria Math" panose="02040503050406030204" pitchFamily="18" charset="0"/>
+                                  <a:latin typeface="Cambria Math"/>
                                   <a:ea typeface="Cambria Math" panose="02040503050406030204" pitchFamily="18" charset="0"/>
                                   <a:cs typeface="Times New Roman" pitchFamily="18" charset="0"/>
                                 </a:rPr>
@@ -12294,7 +12292,7 @@
                                 <m:sSubPr>
                                   <m:ctrlPr>
                                     <a:rPr lang="en-US" sz="2800" b="0" i="1" smtClean="0">
-                                      <a:latin typeface="Cambria Math" panose="02040503050406030204" pitchFamily="18" charset="0"/>
+                                      <a:latin typeface="Cambria Math"/>
                                       <a:ea typeface="Cambria Math" panose="02040503050406030204" pitchFamily="18" charset="0"/>
                                       <a:cs typeface="Times New Roman" pitchFamily="18" charset="0"/>
                                     </a:rPr>
@@ -12396,8 +12394,8 @@
           </p:sp>
         </mc:Fallback>
       </mc:AlternateContent>
-      <mc:AlternateContent xmlns:mc="http://schemas.openxmlformats.org/markup-compatibility/2006">
-        <mc:Choice xmlns:a14="http://schemas.microsoft.com/office/drawing/2010/main" Requires="a14">
+      <mc:AlternateContent xmlns:mc="http://schemas.openxmlformats.org/markup-compatibility/2006" xmlns:a14="http://schemas.microsoft.com/office/drawing/2010/main">
+        <mc:Choice Requires="a14">
           <p:sp>
             <p:nvSpPr>
               <p:cNvPr id="4" name="TextBox 3"/>
@@ -12420,7 +12418,6 @@
               </a:bodyPr>
               <a:lstStyle/>
               <a:p>
-                <a:pPr/>
                 <a14:m>
                   <m:oMath xmlns:m="http://schemas.openxmlformats.org/officeDocument/2006/math">
                     <m:r>
@@ -12464,7 +12461,7 @@
             </p:txBody>
           </p:sp>
         </mc:Choice>
-        <mc:Fallback>
+        <mc:Fallback xmlns="">
           <p:sp>
             <p:nvSpPr>
               <p:cNvPr id="4" name="TextBox 3"/>
@@ -12719,7 +12716,7 @@
                         <m:sSubPr>
                           <m:ctrlPr>
                             <a:rPr lang="en-US" b="0" i="1" smtClean="0">
-                              <a:latin typeface="Cambria Math" panose="02040503050406030204" pitchFamily="18" charset="0"/>
+                              <a:latin typeface="Cambria Math"/>
                             </a:rPr>
                           </m:ctrlPr>
                         </m:sSubPr>
@@ -12753,7 +12750,7 @@
                         <m:fPr>
                           <m:ctrlPr>
                             <a:rPr lang="en-US" b="0" i="1" smtClean="0">
-                              <a:latin typeface="Cambria Math" panose="02040503050406030204" pitchFamily="18" charset="0"/>
+                              <a:latin typeface="Cambria Math"/>
                             </a:rPr>
                           </m:ctrlPr>
                         </m:fPr>
@@ -12789,7 +12786,7 @@
                         <m:fPr>
                           <m:ctrlPr>
                             <a:rPr lang="en-US" b="0" i="1" smtClean="0">
-                              <a:latin typeface="Cambria Math" panose="02040503050406030204" pitchFamily="18" charset="0"/>
+                              <a:latin typeface="Cambria Math"/>
                             </a:rPr>
                           </m:ctrlPr>
                         </m:fPr>
@@ -13936,7 +13933,7 @@
                         <m:sSubPr>
                           <m:ctrlPr>
                             <a:rPr lang="en-US" b="0" i="1" smtClean="0">
-                              <a:latin typeface="Cambria Math" panose="02040503050406030204" pitchFamily="18" charset="0"/>
+                              <a:latin typeface="Cambria Math"/>
                             </a:rPr>
                           </m:ctrlPr>
                         </m:sSubPr>
@@ -13970,7 +13967,7 @@
                         <m:fPr>
                           <m:ctrlPr>
                             <a:rPr lang="en-US" b="0" i="1" smtClean="0">
-                              <a:latin typeface="Cambria Math" panose="02040503050406030204" pitchFamily="18" charset="0"/>
+                              <a:latin typeface="Cambria Math"/>
                             </a:rPr>
                           </m:ctrlPr>
                         </m:fPr>
@@ -14006,7 +14003,7 @@
                         <m:fPr>
                           <m:ctrlPr>
                             <a:rPr lang="en-US" b="0" i="1" smtClean="0">
-                              <a:latin typeface="Cambria Math" panose="02040503050406030204" pitchFamily="18" charset="0"/>
+                              <a:latin typeface="Cambria Math"/>
                             </a:rPr>
                           </m:ctrlPr>
                         </m:fPr>
@@ -15101,7 +15098,7 @@
                         <m:sSubPr>
                           <m:ctrlPr>
                             <a:rPr lang="en-US" sz="3600" b="0" i="1" smtClean="0">
-                              <a:latin typeface="Cambria Math" panose="02040503050406030204" pitchFamily="18" charset="0"/>
+                              <a:latin typeface="Cambria Math"/>
                             </a:rPr>
                           </m:ctrlPr>
                         </m:sSubPr>
@@ -15288,7 +15285,7 @@
                         <m:sSubPr>
                           <m:ctrlPr>
                             <a:rPr lang="en-US" b="0" i="1" smtClean="0">
-                              <a:latin typeface="Cambria Math" panose="02040503050406030204" pitchFamily="18" charset="0"/>
+                              <a:latin typeface="Cambria Math"/>
                             </a:rPr>
                           </m:ctrlPr>
                         </m:sSubPr>
@@ -15322,7 +15319,7 @@
                         <m:fPr>
                           <m:ctrlPr>
                             <a:rPr lang="en-US" b="0" i="1" smtClean="0">
-                              <a:latin typeface="Cambria Math" panose="02040503050406030204" pitchFamily="18" charset="0"/>
+                              <a:latin typeface="Cambria Math"/>
                             </a:rPr>
                           </m:ctrlPr>
                         </m:fPr>
@@ -15358,7 +15355,7 @@
                         <m:fPr>
                           <m:ctrlPr>
                             <a:rPr lang="en-US" b="0" i="1" smtClean="0">
-                              <a:latin typeface="Cambria Math" panose="02040503050406030204" pitchFamily="18" charset="0"/>
+                              <a:latin typeface="Cambria Math"/>
                             </a:rPr>
                           </m:ctrlPr>
                         </m:fPr>
@@ -16453,7 +16450,7 @@
                         <m:sSubPr>
                           <m:ctrlPr>
                             <a:rPr lang="en-US" sz="3600" b="0" i="1" smtClean="0">
-                              <a:latin typeface="Cambria Math" panose="02040503050406030204" pitchFamily="18" charset="0"/>
+                              <a:latin typeface="Cambria Math"/>
                             </a:rPr>
                           </m:ctrlPr>
                         </m:sSubPr>
@@ -16703,7 +16700,7 @@
                         <m:sSubPr>
                           <m:ctrlPr>
                             <a:rPr lang="en-US" b="0" i="1" smtClean="0">
-                              <a:latin typeface="Cambria Math" panose="02040503050406030204" pitchFamily="18" charset="0"/>
+                              <a:latin typeface="Cambria Math"/>
                             </a:rPr>
                           </m:ctrlPr>
                         </m:sSubPr>
@@ -16737,7 +16734,7 @@
                         <m:fPr>
                           <m:ctrlPr>
                             <a:rPr lang="en-US" b="0" i="1" smtClean="0">
-                              <a:latin typeface="Cambria Math" panose="02040503050406030204" pitchFamily="18" charset="0"/>
+                              <a:latin typeface="Cambria Math"/>
                             </a:rPr>
                           </m:ctrlPr>
                         </m:fPr>
@@ -16773,7 +16770,7 @@
                         <m:fPr>
                           <m:ctrlPr>
                             <a:rPr lang="en-US" b="0" i="1" smtClean="0">
-                              <a:latin typeface="Cambria Math" panose="02040503050406030204" pitchFamily="18" charset="0"/>
+                              <a:latin typeface="Cambria Math"/>
                             </a:rPr>
                           </m:ctrlPr>
                         </m:fPr>
@@ -17875,7 +17872,7 @@
                         <m:sSubPr>
                           <m:ctrlPr>
                             <a:rPr lang="en-US" sz="3600" b="0" i="1" smtClean="0">
-                              <a:latin typeface="Cambria Math" panose="02040503050406030204" pitchFamily="18" charset="0"/>
+                              <a:latin typeface="Cambria Math"/>
                             </a:rPr>
                           </m:ctrlPr>
                         </m:sSubPr>
@@ -18082,8 +18079,8 @@
           </a:p>
         </p:txBody>
       </p:sp>
-      <mc:AlternateContent xmlns:mc="http://schemas.openxmlformats.org/markup-compatibility/2006">
-        <mc:Choice xmlns:a14="http://schemas.microsoft.com/office/drawing/2010/main" Requires="a14">
+      <mc:AlternateContent xmlns:mc="http://schemas.openxmlformats.org/markup-compatibility/2006" xmlns:a14="http://schemas.microsoft.com/office/drawing/2010/main">
+        <mc:Choice Requires="a14">
           <p:sp>
             <p:nvSpPr>
               <p:cNvPr id="3" name="Content Placeholder 2"/>
@@ -18151,7 +18148,7 @@
                         <m:sSupPr>
                           <m:ctrlPr>
                             <a:rPr lang="en-US" sz="2800" b="0" i="1" smtClean="0">
-                              <a:latin typeface="Cambria Math" panose="02040503050406030204" pitchFamily="18" charset="0"/>
+                              <a:latin typeface="Cambria Math"/>
                             </a:rPr>
                           </m:ctrlPr>
                         </m:sSupPr>
@@ -18192,11 +18189,7 @@
                 </a:pPr>
                 <a:r>
                   <a:rPr lang="en-US" sz="2800" dirty="0" smtClean="0"/>
-                  <a:t>    </a:t>
-                </a:r>
-                <a:r>
-                  <a:rPr lang="en-US" sz="2800" dirty="0" smtClean="0"/>
-                  <a:t>where, e.g., </a:t>
+                  <a:t>    where, e.g., </a:t>
                 </a:r>
                 <a14:m>
                   <m:oMath xmlns:m="http://schemas.openxmlformats.org/officeDocument/2006/math">
@@ -18222,7 +18215,7 @@
             </p:txBody>
           </p:sp>
         </mc:Choice>
-        <mc:Fallback>
+        <mc:Fallback xmlns="">
           <p:sp>
             <p:nvSpPr>
               <p:cNvPr id="3" name="Content Placeholder 2"/>
@@ -18327,8 +18320,8 @@
           </a:p>
         </p:txBody>
       </p:sp>
-      <mc:AlternateContent xmlns:mc="http://schemas.openxmlformats.org/markup-compatibility/2006">
-        <mc:Choice xmlns:a14="http://schemas.microsoft.com/office/drawing/2010/main" Requires="a14">
+      <mc:AlternateContent xmlns:mc="http://schemas.openxmlformats.org/markup-compatibility/2006" xmlns:a14="http://schemas.microsoft.com/office/drawing/2010/main">
+        <mc:Choice Requires="a14">
           <p:sp>
             <p:nvSpPr>
               <p:cNvPr id="3" name="Content Placeholder 2"/>
@@ -18396,7 +18389,7 @@
                         <m:sSupPr>
                           <m:ctrlPr>
                             <a:rPr lang="en-US" sz="2800" b="0" i="1" smtClean="0">
-                              <a:latin typeface="Cambria Math" panose="02040503050406030204" pitchFamily="18" charset="0"/>
+                              <a:latin typeface="Cambria Math"/>
                             </a:rPr>
                           </m:ctrlPr>
                         </m:sSupPr>
@@ -18437,11 +18430,7 @@
                 </a:pPr>
                 <a:r>
                   <a:rPr lang="en-US" sz="2800" dirty="0" smtClean="0"/>
-                  <a:t>    </a:t>
-                </a:r>
-                <a:r>
-                  <a:rPr lang="en-US" sz="2800" dirty="0" smtClean="0"/>
-                  <a:t>where, e.g., </a:t>
+                  <a:t>    where, e.g., </a:t>
                 </a:r>
                 <a14:m>
                   <m:oMath xmlns:m="http://schemas.openxmlformats.org/officeDocument/2006/math">
@@ -18477,7 +18466,7 @@
                       <m:sSubPr>
                         <m:ctrlPr>
                           <a:rPr lang="en-US" sz="2800" b="0" i="1" smtClean="0">
-                            <a:latin typeface="Cambria Math" panose="02040503050406030204" pitchFamily="18" charset="0"/>
+                            <a:latin typeface="Cambria Math"/>
                           </a:rPr>
                         </m:ctrlPr>
                       </m:sSubPr>
@@ -18519,7 +18508,7 @@
                         <m:sSubPr>
                           <m:ctrlPr>
                             <a:rPr lang="en-US" sz="2800" b="0" i="1" smtClean="0">
-                              <a:latin typeface="Cambria Math" panose="02040503050406030204" pitchFamily="18" charset="0"/>
+                              <a:latin typeface="Cambria Math"/>
                             </a:rPr>
                           </m:ctrlPr>
                         </m:sSubPr>
@@ -18553,7 +18542,7 @@
                         <m:funcPr>
                           <m:ctrlPr>
                             <a:rPr lang="en-US" sz="2800" b="0" i="1" smtClean="0">
-                              <a:latin typeface="Cambria Math" panose="02040503050406030204" pitchFamily="18" charset="0"/>
+                              <a:latin typeface="Cambria Math"/>
                             </a:rPr>
                           </m:ctrlPr>
                         </m:funcPr>
@@ -18579,7 +18568,7 @@
                             <m:sSupPr>
                               <m:ctrlPr>
                                 <a:rPr lang="en-US" sz="2800" i="1">
-                                  <a:latin typeface="Cambria Math" panose="02040503050406030204" pitchFamily="18" charset="0"/>
+                                  <a:latin typeface="Cambria Math"/>
                                 </a:rPr>
                               </m:ctrlPr>
                             </m:sSupPr>
@@ -18716,7 +18705,6 @@
                   <a:rPr lang="en-US" sz="2400" dirty="0" smtClean="0"/>
                   <a:t>;</a:t>
                 </a:r>
-                <a:endParaRPr lang="en-US" sz="2400" dirty="0" smtClean="0"/>
               </a:p>
               <a:p>
                 <a:endParaRPr lang="en-US" sz="2800" dirty="0"/>
@@ -18724,7 +18712,7 @@
             </p:txBody>
           </p:sp>
         </mc:Choice>
-        <mc:Fallback>
+        <mc:Fallback xmlns="">
           <p:sp>
             <p:nvSpPr>
               <p:cNvPr id="3" name="Content Placeholder 2"/>
@@ -18829,8 +18817,8 @@
           </a:p>
         </p:txBody>
       </p:sp>
-      <mc:AlternateContent xmlns:mc="http://schemas.openxmlformats.org/markup-compatibility/2006">
-        <mc:Choice xmlns:a14="http://schemas.microsoft.com/office/drawing/2010/main" Requires="a14">
+      <mc:AlternateContent xmlns:mc="http://schemas.openxmlformats.org/markup-compatibility/2006" xmlns:a14="http://schemas.microsoft.com/office/drawing/2010/main">
+        <mc:Choice Requires="a14">
           <p:sp>
             <p:nvSpPr>
               <p:cNvPr id="3" name="Content Placeholder 2"/>
@@ -18898,7 +18886,7 @@
                         <m:sSupPr>
                           <m:ctrlPr>
                             <a:rPr lang="en-US" sz="2800" b="0" i="1" smtClean="0">
-                              <a:latin typeface="Cambria Math" panose="02040503050406030204" pitchFamily="18" charset="0"/>
+                              <a:latin typeface="Cambria Math"/>
                             </a:rPr>
                           </m:ctrlPr>
                         </m:sSupPr>
@@ -18939,11 +18927,7 @@
                 </a:pPr>
                 <a:r>
                   <a:rPr lang="en-US" sz="2800" dirty="0" smtClean="0"/>
-                  <a:t>    </a:t>
-                </a:r>
-                <a:r>
-                  <a:rPr lang="en-US" sz="2800" dirty="0" smtClean="0"/>
-                  <a:t>where, e.g., </a:t>
+                  <a:t>    where, e.g., </a:t>
                 </a:r>
                 <a14:m>
                   <m:oMath xmlns:m="http://schemas.openxmlformats.org/officeDocument/2006/math">
@@ -18979,7 +18963,7 @@
                       <m:sSubPr>
                         <m:ctrlPr>
                           <a:rPr lang="en-US" sz="2800" b="0" i="1" smtClean="0">
-                            <a:latin typeface="Cambria Math" panose="02040503050406030204" pitchFamily="18" charset="0"/>
+                            <a:latin typeface="Cambria Math"/>
                           </a:rPr>
                         </m:ctrlPr>
                       </m:sSubPr>
@@ -19021,7 +19005,7 @@
                         <m:sSubPr>
                           <m:ctrlPr>
                             <a:rPr lang="en-US" sz="2800" b="0" i="1" smtClean="0">
-                              <a:latin typeface="Cambria Math" panose="02040503050406030204" pitchFamily="18" charset="0"/>
+                              <a:latin typeface="Cambria Math"/>
                             </a:rPr>
                           </m:ctrlPr>
                         </m:sSubPr>
@@ -19055,7 +19039,7 @@
                         <m:funcPr>
                           <m:ctrlPr>
                             <a:rPr lang="en-US" sz="2800" b="0" i="1" smtClean="0">
-                              <a:latin typeface="Cambria Math" panose="02040503050406030204" pitchFamily="18" charset="0"/>
+                              <a:latin typeface="Cambria Math"/>
                             </a:rPr>
                           </m:ctrlPr>
                         </m:funcPr>
@@ -19081,7 +19065,7 @@
                             <m:sSupPr>
                               <m:ctrlPr>
                                 <a:rPr lang="en-US" sz="2800" i="1">
-                                  <a:latin typeface="Cambria Math" panose="02040503050406030204" pitchFamily="18" charset="0"/>
+                                  <a:latin typeface="Cambria Math"/>
                                 </a:rPr>
                               </m:ctrlPr>
                             </m:sSupPr>
@@ -19218,7 +19202,6 @@
                   <a:rPr lang="en-US" sz="2400" dirty="0" smtClean="0"/>
                   <a:t>;</a:t>
                 </a:r>
-                <a:endParaRPr lang="en-US" sz="2400" dirty="0" smtClean="0"/>
               </a:p>
               <a:p>
                 <a:pPr>
@@ -19257,7 +19240,7 @@
             </p:txBody>
           </p:sp>
         </mc:Choice>
-        <mc:Fallback>
+        <mc:Fallback xmlns="">
           <p:sp>
             <p:nvSpPr>
               <p:cNvPr id="3" name="Content Placeholder 2"/>
@@ -21075,8 +21058,8 @@
           </a:p>
         </p:txBody>
       </p:sp>
-      <mc:AlternateContent xmlns:mc="http://schemas.openxmlformats.org/markup-compatibility/2006">
-        <mc:Choice xmlns:a14="http://schemas.microsoft.com/office/drawing/2010/main" Requires="a14">
+      <mc:AlternateContent xmlns:mc="http://schemas.openxmlformats.org/markup-compatibility/2006" xmlns:a14="http://schemas.microsoft.com/office/drawing/2010/main">
+        <mc:Choice Requires="a14">
           <p:sp>
             <p:nvSpPr>
               <p:cNvPr id="3" name="Content Placeholder 2"/>
@@ -21136,7 +21119,6 @@
                   <a:rPr lang="en-US" sz="2400" dirty="0" smtClean="0"/>
                   <a:t>Dashed curves: </a:t>
                 </a:r>
-                <a:endParaRPr lang="en-US" sz="2400" dirty="0" smtClean="0"/>
               </a:p>
               <a:p>
                 <a:pPr marL="0" indent="0">
@@ -21167,7 +21149,7 @@
                       <m:sSupPr>
                         <m:ctrlPr>
                           <a:rPr lang="en-US" sz="2400" b="0" i="1" smtClean="0">
-                            <a:latin typeface="Cambria Math" panose="02040503050406030204" pitchFamily="18" charset="0"/>
+                            <a:latin typeface="Cambria Math"/>
                           </a:rPr>
                         </m:ctrlPr>
                       </m:sSupPr>
@@ -21229,7 +21211,7 @@
                       <m:fPr>
                         <m:ctrlPr>
                           <a:rPr lang="en-US" sz="2400" i="1" dirty="0">
-                            <a:latin typeface="Cambria Math" panose="02040503050406030204" pitchFamily="18" charset="0"/>
+                            <a:latin typeface="Cambria Math"/>
                           </a:rPr>
                         </m:ctrlPr>
                       </m:fPr>
@@ -21260,7 +21242,7 @@
                       <m:fPr>
                         <m:ctrlPr>
                           <a:rPr lang="en-US" sz="2400" i="1" dirty="0">
-                            <a:latin typeface="Cambria Math" panose="02040503050406030204" pitchFamily="18" charset="0"/>
+                            <a:latin typeface="Cambria Math"/>
                           </a:rPr>
                         </m:ctrlPr>
                       </m:fPr>
@@ -21295,7 +21277,6 @@
                   <a:rPr lang="en-US" sz="2400" dirty="0" smtClean="0"/>
                   <a:t>Solid curves: </a:t>
                 </a:r>
-                <a:endParaRPr lang="en-US" sz="2400" dirty="0" smtClean="0"/>
               </a:p>
               <a:p>
                 <a:pPr marL="0" indent="0">
@@ -21306,15 +21287,7 @@
                 </a:pPr>
                 <a:r>
                   <a:rPr lang="en-US" sz="2400" dirty="0" smtClean="0"/>
-                  <a:t>    </a:t>
-                </a:r>
-                <a:r>
-                  <a:rPr lang="en-US" sz="2400" dirty="0" smtClean="0"/>
-                  <a:t> WL</a:t>
-                </a:r>
-                <a:r>
-                  <a:rPr lang="en-US" sz="2400" dirty="0" smtClean="0"/>
-                  <a:t>: </a:t>
+                  <a:t>     WL: </a:t>
                 </a:r>
                 <a14:m>
                   <m:oMath xmlns:m="http://schemas.openxmlformats.org/officeDocument/2006/math">
@@ -21334,7 +21307,7 @@
                       <m:sSupPr>
                         <m:ctrlPr>
                           <a:rPr lang="en-US" sz="2400" b="0" i="1" smtClean="0">
-                            <a:latin typeface="Cambria Math" panose="02040503050406030204" pitchFamily="18" charset="0"/>
+                            <a:latin typeface="Cambria Math"/>
                           </a:rPr>
                         </m:ctrlPr>
                       </m:sSupPr>
@@ -21417,7 +21390,7 @@
             </p:txBody>
           </p:sp>
         </mc:Choice>
-        <mc:Fallback>
+        <mc:Fallback xmlns="">
           <p:sp>
             <p:nvSpPr>
               <p:cNvPr id="3" name="Content Placeholder 2"/>
@@ -22804,7 +22777,7 @@
                           <m:supHide m:val="on"/>
                           <m:ctrlPr>
                             <a:rPr lang="en-US" sz="2000" i="1">
-                              <a:latin typeface="Cambria Math" panose="02040503050406030204" pitchFamily="18" charset="0"/>
+                              <a:latin typeface="Cambria Math"/>
                             </a:rPr>
                           </m:ctrlPr>
                         </m:naryPr>
@@ -22815,7 +22788,7 @@
                             <m:sSubPr>
                               <m:ctrlPr>
                                 <a:rPr lang="en-US" sz="2000" i="1">
-                                  <a:latin typeface="Cambria Math" panose="02040503050406030204" pitchFamily="18" charset="0"/>
+                                  <a:latin typeface="Cambria Math"/>
                                 </a:rPr>
                               </m:ctrlPr>
                             </m:sSubPr>
@@ -22840,7 +22813,7 @@
                             <m:sSubPr>
                               <m:ctrlPr>
                                 <a:rPr lang="en-US" sz="2000" i="1">
-                                  <a:latin typeface="Cambria Math" panose="02040503050406030204" pitchFamily="18" charset="0"/>
+                                  <a:latin typeface="Cambria Math"/>
                                 </a:rPr>
                               </m:ctrlPr>
                             </m:sSubPr>
@@ -23145,13 +23118,13 @@
               </a:ext>
             </a:extLst>
           </a:blip>
-          <a:srcRect r="51875"/>
+          <a:srcRect r="51875" b="17207"/>
           <a:stretch/>
         </p:blipFill>
         <p:spPr>
           <a:xfrm>
-            <a:off x="457200" y="4495800"/>
-            <a:ext cx="1613539" cy="1817731"/>
+            <a:off x="457200" y="4495801"/>
+            <a:ext cx="1613539" cy="1504950"/>
           </a:xfrm>
           <a:prstGeom prst="rect">
             <a:avLst/>
@@ -23214,7 +23187,7 @@
                           <m:supHide m:val="on"/>
                           <m:ctrlPr>
                             <a:rPr lang="en-US" sz="2000" i="1">
-                              <a:latin typeface="Cambria Math" panose="02040503050406030204" pitchFamily="18" charset="0"/>
+                              <a:latin typeface="Cambria Math"/>
                             </a:rPr>
                           </m:ctrlPr>
                         </m:naryPr>
@@ -23225,7 +23198,7 @@
                             <m:sSubPr>
                               <m:ctrlPr>
                                 <a:rPr lang="en-US" sz="2000" i="1">
-                                  <a:latin typeface="Cambria Math" panose="02040503050406030204" pitchFamily="18" charset="0"/>
+                                  <a:latin typeface="Cambria Math"/>
                                 </a:rPr>
                               </m:ctrlPr>
                             </m:sSubPr>
@@ -23250,7 +23223,7 @@
                             <m:sSubPr>
                               <m:ctrlPr>
                                 <a:rPr lang="en-US" sz="2000" i="1">
-                                  <a:latin typeface="Cambria Math" panose="02040503050406030204" pitchFamily="18" charset="0"/>
+                                  <a:latin typeface="Cambria Math"/>
                                 </a:rPr>
                               </m:ctrlPr>
                             </m:sSubPr>
@@ -23624,7 +23597,7 @@
                           <m:supHide m:val="on"/>
                           <m:ctrlPr>
                             <a:rPr lang="en-US" sz="2000" i="1">
-                              <a:latin typeface="Cambria Math" panose="02040503050406030204" pitchFamily="18" charset="0"/>
+                              <a:latin typeface="Cambria Math"/>
                             </a:rPr>
                           </m:ctrlPr>
                         </m:naryPr>
@@ -23635,7 +23608,7 @@
                             <m:sSubPr>
                               <m:ctrlPr>
                                 <a:rPr lang="en-US" sz="2000" i="1">
-                                  <a:latin typeface="Cambria Math" panose="02040503050406030204" pitchFamily="18" charset="0"/>
+                                  <a:latin typeface="Cambria Math"/>
                                 </a:rPr>
                               </m:ctrlPr>
                             </m:sSubPr>
@@ -23660,7 +23633,7 @@
                             <m:sSubPr>
                               <m:ctrlPr>
                                 <a:rPr lang="en-US" sz="2000" i="1">
-                                  <a:latin typeface="Cambria Math" panose="02040503050406030204" pitchFamily="18" charset="0"/>
+                                  <a:latin typeface="Cambria Math"/>
                                 </a:rPr>
                               </m:ctrlPr>
                             </m:sSubPr>
@@ -24063,7 +24036,7 @@
                           <m:supHide m:val="on"/>
                           <m:ctrlPr>
                             <a:rPr lang="en-US" sz="2000" i="1">
-                              <a:latin typeface="Cambria Math" panose="02040503050406030204" pitchFamily="18" charset="0"/>
+                              <a:latin typeface="Cambria Math"/>
                             </a:rPr>
                           </m:ctrlPr>
                         </m:naryPr>
@@ -24074,7 +24047,7 @@
                             <m:sSubPr>
                               <m:ctrlPr>
                                 <a:rPr lang="en-US" sz="2000" i="1">
-                                  <a:latin typeface="Cambria Math" panose="02040503050406030204" pitchFamily="18" charset="0"/>
+                                  <a:latin typeface="Cambria Math"/>
                                 </a:rPr>
                               </m:ctrlPr>
                             </m:sSubPr>
@@ -24099,7 +24072,7 @@
                             <m:sSubPr>
                               <m:ctrlPr>
                                 <a:rPr lang="en-US" sz="2000" i="1">
-                                  <a:latin typeface="Cambria Math" panose="02040503050406030204" pitchFamily="18" charset="0"/>
+                                  <a:latin typeface="Cambria Math"/>
                                 </a:rPr>
                               </m:ctrlPr>
                             </m:sSubPr>
@@ -24709,7 +24682,7 @@
                           <m:supHide m:val="on"/>
                           <m:ctrlPr>
                             <a:rPr lang="en-US" sz="2000" i="1">
-                              <a:latin typeface="Cambria Math" panose="02040503050406030204" pitchFamily="18" charset="0"/>
+                              <a:latin typeface="Cambria Math"/>
                             </a:rPr>
                           </m:ctrlPr>
                         </m:naryPr>
@@ -24720,7 +24693,7 @@
                             <m:sSubPr>
                               <m:ctrlPr>
                                 <a:rPr lang="en-US" sz="2000" i="1">
-                                  <a:latin typeface="Cambria Math" panose="02040503050406030204" pitchFamily="18" charset="0"/>
+                                  <a:latin typeface="Cambria Math"/>
                                 </a:rPr>
                               </m:ctrlPr>
                             </m:sSubPr>
@@ -24745,7 +24718,7 @@
                             <m:sSubPr>
                               <m:ctrlPr>
                                 <a:rPr lang="en-US" sz="2000" i="1">
-                                  <a:latin typeface="Cambria Math" panose="02040503050406030204" pitchFamily="18" charset="0"/>
+                                  <a:latin typeface="Cambria Math"/>
                                 </a:rPr>
                               </m:ctrlPr>
                             </m:sSubPr>
@@ -25286,7 +25259,7 @@
                           <m:supHide m:val="on"/>
                           <m:ctrlPr>
                             <a:rPr lang="en-US" sz="2000" i="1">
-                              <a:latin typeface="Cambria Math" panose="02040503050406030204" pitchFamily="18" charset="0"/>
+                              <a:latin typeface="Cambria Math"/>
                             </a:rPr>
                           </m:ctrlPr>
                         </m:naryPr>
@@ -25297,7 +25270,7 @@
                             <m:sSubPr>
                               <m:ctrlPr>
                                 <a:rPr lang="en-US" sz="2000" i="1">
-                                  <a:latin typeface="Cambria Math" panose="02040503050406030204" pitchFamily="18" charset="0"/>
+                                  <a:latin typeface="Cambria Math"/>
                                 </a:rPr>
                               </m:ctrlPr>
                             </m:sSubPr>
@@ -25322,7 +25295,7 @@
                             <m:sSubPr>
                               <m:ctrlPr>
                                 <a:rPr lang="en-US" sz="2000" i="1">
-                                  <a:latin typeface="Cambria Math" panose="02040503050406030204" pitchFamily="18" charset="0"/>
+                                  <a:latin typeface="Cambria Math"/>
                                 </a:rPr>
                               </m:ctrlPr>
                             </m:sSubPr>
@@ -25791,7 +25764,7 @@
                           <m:supHide m:val="on"/>
                           <m:ctrlPr>
                             <a:rPr lang="en-US" sz="2000" i="1">
-                              <a:latin typeface="Cambria Math" panose="02040503050406030204" pitchFamily="18" charset="0"/>
+                              <a:latin typeface="Cambria Math"/>
                             </a:rPr>
                           </m:ctrlPr>
                         </m:naryPr>
@@ -25802,7 +25775,7 @@
                             <m:sSubPr>
                               <m:ctrlPr>
                                 <a:rPr lang="en-US" sz="2000" i="1">
-                                  <a:latin typeface="Cambria Math" panose="02040503050406030204" pitchFamily="18" charset="0"/>
+                                  <a:latin typeface="Cambria Math"/>
                                 </a:rPr>
                               </m:ctrlPr>
                             </m:sSubPr>
@@ -25827,7 +25800,7 @@
                             <m:sSubPr>
                               <m:ctrlPr>
                                 <a:rPr lang="en-US" sz="2000" i="1">
-                                  <a:latin typeface="Cambria Math" panose="02040503050406030204" pitchFamily="18" charset="0"/>
+                                  <a:latin typeface="Cambria Math"/>
                                 </a:rPr>
                               </m:ctrlPr>
                             </m:sSubPr>
@@ -27687,7 +27660,7 @@
                       <m:dPr>
                         <m:ctrlPr>
                           <a:rPr lang="en-US" sz="2400" i="1">
-                            <a:latin typeface="Cambria Math" panose="02040503050406030204" pitchFamily="18" charset="0"/>
+                            <a:latin typeface="Cambria Math"/>
                           </a:rPr>
                         </m:ctrlPr>
                       </m:dPr>
@@ -27710,7 +27683,7 @@
                       <m:sSubPr>
                         <m:ctrlPr>
                           <a:rPr lang="en-US" sz="2400" b="0" i="1" smtClean="0">
-                            <a:latin typeface="Cambria Math" panose="02040503050406030204" pitchFamily="18" charset="0"/>
+                            <a:latin typeface="Cambria Math"/>
                           </a:rPr>
                         </m:ctrlPr>
                       </m:sSubPr>
@@ -27763,7 +27736,7 @@
                       <m:fPr>
                         <m:ctrlPr>
                           <a:rPr lang="en-US" sz="2400" i="1">
-                            <a:latin typeface="Cambria Math" panose="02040503050406030204" pitchFamily="18" charset="0"/>
+                            <a:latin typeface="Cambria Math"/>
                           </a:rPr>
                         </m:ctrlPr>
                       </m:fPr>
@@ -27794,7 +27767,7 @@
                       <m:fPr>
                         <m:ctrlPr>
                           <a:rPr lang="en-US" sz="2000" i="1" dirty="0">
-                            <a:latin typeface="Cambria Math" panose="02040503050406030204" pitchFamily="18" charset="0"/>
+                            <a:latin typeface="Cambria Math"/>
                           </a:rPr>
                         </m:ctrlPr>
                       </m:fPr>
@@ -27803,7 +27776,7 @@
                           <m:sSupPr>
                             <m:ctrlPr>
                               <a:rPr lang="en-US" sz="2000" i="1" dirty="0">
-                                <a:latin typeface="Cambria Math" panose="02040503050406030204" pitchFamily="18" charset="0"/>
+                                <a:latin typeface="Cambria Math"/>
                               </a:rPr>
                             </m:ctrlPr>
                           </m:sSupPr>
@@ -27844,7 +27817,7 @@
                       <m:fPr>
                         <m:ctrlPr>
                           <a:rPr lang="en-US" sz="2000" i="1" dirty="0">
-                            <a:latin typeface="Cambria Math" panose="02040503050406030204" pitchFamily="18" charset="0"/>
+                            <a:latin typeface="Cambria Math"/>
                           </a:rPr>
                         </m:ctrlPr>
                       </m:fPr>
@@ -27853,7 +27826,7 @@
                           <m:sSupPr>
                             <m:ctrlPr>
                               <a:rPr lang="en-US" sz="2000" i="1" dirty="0">
-                                <a:latin typeface="Cambria Math" panose="02040503050406030204" pitchFamily="18" charset="0"/>
+                                <a:latin typeface="Cambria Math"/>
                               </a:rPr>
                             </m:ctrlPr>
                           </m:sSupPr>
@@ -27894,7 +27867,7 @@
                       <m:fPr>
                         <m:ctrlPr>
                           <a:rPr lang="en-US" sz="2000" i="1" dirty="0">
-                            <a:latin typeface="Cambria Math" panose="02040503050406030204" pitchFamily="18" charset="0"/>
+                            <a:latin typeface="Cambria Math"/>
                           </a:rPr>
                         </m:ctrlPr>
                       </m:fPr>
@@ -27903,7 +27876,7 @@
                           <m:sSupPr>
                             <m:ctrlPr>
                               <a:rPr lang="en-US" sz="2000" i="1" dirty="0">
-                                <a:latin typeface="Cambria Math" panose="02040503050406030204" pitchFamily="18" charset="0"/>
+                                <a:latin typeface="Cambria Math"/>
                               </a:rPr>
                             </m:ctrlPr>
                           </m:sSupPr>
@@ -28067,7 +28040,7 @@
                         <m:dPr>
                           <m:ctrlPr>
                             <a:rPr lang="en-US" sz="2100" b="0" i="1" smtClean="0">
-                              <a:latin typeface="Cambria Math" panose="02040503050406030204" pitchFamily="18" charset="0"/>
+                              <a:latin typeface="Cambria Math"/>
                             </a:rPr>
                           </m:ctrlPr>
                         </m:dPr>
@@ -28090,7 +28063,7 @@
                         <m:sSubPr>
                           <m:ctrlPr>
                             <a:rPr lang="en-US" sz="2100" b="0" i="1" smtClean="0">
-                              <a:latin typeface="Cambria Math" panose="02040503050406030204" pitchFamily="18" charset="0"/>
+                              <a:latin typeface="Cambria Math"/>
                             </a:rPr>
                           </m:ctrlPr>
                         </m:sSubPr>
@@ -28199,7 +28172,7 @@
                         <m:dPr>
                           <m:ctrlPr>
                             <a:rPr lang="en-US" sz="2100" b="0" i="1" smtClean="0">
-                              <a:latin typeface="Cambria Math" panose="02040503050406030204" pitchFamily="18" charset="0"/>
+                              <a:latin typeface="Cambria Math"/>
                             </a:rPr>
                           </m:ctrlPr>
                         </m:dPr>
@@ -28222,7 +28195,7 @@
                         <m:sSubPr>
                           <m:ctrlPr>
                             <a:rPr lang="en-US" sz="2100" b="0" i="1" smtClean="0">
-                              <a:latin typeface="Cambria Math" panose="02040503050406030204" pitchFamily="18" charset="0"/>
+                              <a:latin typeface="Cambria Math"/>
                             </a:rPr>
                           </m:ctrlPr>
                         </m:sSubPr>
@@ -29238,7 +29211,7 @@
                         <m:dPr>
                           <m:ctrlPr>
                             <a:rPr lang="en-US" sz="2100" b="0" i="1" smtClean="0">
-                              <a:latin typeface="Cambria Math" panose="02040503050406030204" pitchFamily="18" charset="0"/>
+                              <a:latin typeface="Cambria Math"/>
                             </a:rPr>
                           </m:ctrlPr>
                         </m:dPr>
@@ -29261,7 +29234,7 @@
                         <m:sSubPr>
                           <m:ctrlPr>
                             <a:rPr lang="en-US" sz="2100" b="0" i="1" smtClean="0">
-                              <a:latin typeface="Cambria Math" panose="02040503050406030204" pitchFamily="18" charset="0"/>
+                              <a:latin typeface="Cambria Math"/>
                             </a:rPr>
                           </m:ctrlPr>
                         </m:sSubPr>
@@ -29479,8 +29452,8 @@
           </a:p>
         </p:txBody>
       </p:sp>
-      <mc:AlternateContent xmlns:mc="http://schemas.openxmlformats.org/markup-compatibility/2006">
-        <mc:Choice xmlns:a14="http://schemas.microsoft.com/office/drawing/2010/main" Requires="a14">
+      <mc:AlternateContent xmlns:mc="http://schemas.openxmlformats.org/markup-compatibility/2006" xmlns:a14="http://schemas.microsoft.com/office/drawing/2010/main">
+        <mc:Choice Requires="a14">
           <p:sp>
             <p:nvSpPr>
               <p:cNvPr id="3" name="Content Placeholder 2"/>
@@ -29606,7 +29579,7 @@
             </p:txBody>
           </p:sp>
         </mc:Choice>
-        <mc:Fallback>
+        <mc:Fallback xmlns="">
           <p:sp>
             <p:nvSpPr>
               <p:cNvPr id="3" name="Content Placeholder 2"/>
@@ -29907,8 +29880,8 @@
           </a:p>
         </p:txBody>
       </p:sp>
-      <mc:AlternateContent xmlns:mc="http://schemas.openxmlformats.org/markup-compatibility/2006">
-        <mc:Choice xmlns:a14="http://schemas.microsoft.com/office/drawing/2010/main" Requires="a14">
+      <mc:AlternateContent xmlns:mc="http://schemas.openxmlformats.org/markup-compatibility/2006" xmlns:a14="http://schemas.microsoft.com/office/drawing/2010/main">
+        <mc:Choice Requires="a14">
           <p:sp>
             <p:nvSpPr>
               <p:cNvPr id="4" name="TextBox 3"/>
@@ -29931,6 +29904,7 @@
               </a:bodyPr>
               <a:lstStyle/>
               <a:p>
+                <a:pPr/>
                 <a14:m>
                   <m:oMathPara xmlns:m="http://schemas.openxmlformats.org/officeDocument/2006/math">
                     <m:oMathParaPr>
@@ -29941,7 +29915,7 @@
                         <m:sSupPr>
                           <m:ctrlPr>
                             <a:rPr lang="en-US" sz="3200" b="1" i="1" smtClean="0">
-                              <a:latin typeface="Cambria Math" panose="02040503050406030204" pitchFamily="18" charset="0"/>
+                              <a:latin typeface="Cambria Math"/>
                             </a:rPr>
                           </m:ctrlPr>
                         </m:sSupPr>
@@ -29978,7 +29952,7 @@
                         <m:dPr>
                           <m:ctrlPr>
                             <a:rPr lang="en-US" sz="3200" b="1" i="1" smtClean="0">
-                              <a:latin typeface="Cambria Math" panose="02040503050406030204" pitchFamily="18" charset="0"/>
+                              <a:latin typeface="Cambria Math"/>
                             </a:rPr>
                           </m:ctrlPr>
                         </m:dPr>
@@ -30021,6 +29995,7 @@
                 <a:endParaRPr lang="en-US" sz="3200" b="1" dirty="0" smtClean="0"/>
               </a:p>
               <a:p>
+                <a:pPr/>
                 <a14:m>
                   <m:oMathPara xmlns:m="http://schemas.openxmlformats.org/officeDocument/2006/math">
                     <m:oMathParaPr>
@@ -30031,7 +30006,7 @@
                         <m:sSupPr>
                           <m:ctrlPr>
                             <a:rPr lang="en-US" sz="3200" b="0" i="1" smtClean="0">
-                              <a:latin typeface="Cambria Math" panose="02040503050406030204" pitchFamily="18" charset="0"/>
+                              <a:latin typeface="Cambria Math"/>
                             </a:rPr>
                           </m:ctrlPr>
                         </m:sSupPr>
@@ -30102,7 +30077,7 @@
             </p:txBody>
           </p:sp>
         </mc:Choice>
-        <mc:Fallback>
+        <mc:Fallback xmlns="">
           <p:sp>
             <p:nvSpPr>
               <p:cNvPr id="4" name="TextBox 3"/>
@@ -31431,7 +31406,7 @@
                       <m:sSubPr>
                         <m:ctrlPr>
                           <a:rPr lang="en-US" sz="2400" i="1">
-                            <a:latin typeface="Cambria Math" panose="02040503050406030204" pitchFamily="18" charset="0"/>
+                            <a:latin typeface="Cambria Math"/>
                           </a:rPr>
                         </m:ctrlPr>
                       </m:sSubPr>
@@ -31878,7 +31853,6 @@
               <a:rPr lang="en-US" sz="2400" dirty="0" smtClean="0"/>
               <a:t> OR Dec 2015</a:t>
             </a:r>
-            <a:endParaRPr lang="en-US" sz="2400" dirty="0" smtClean="0"/>
           </a:p>
           <a:p>
             <a:endParaRPr lang="en-US" sz="2800" dirty="0" smtClean="0"/>
@@ -32098,29 +32072,7 @@
                   </a:schemeClr>
                 </a:solidFill>
               </a:rPr>
-              <a:t>, et. </a:t>
-            </a:r>
-            <a:r>
-              <a:rPr lang="en-US" sz="1600" dirty="0" smtClean="0">
-                <a:solidFill>
-                  <a:schemeClr val="tx1">
-                    <a:lumMod val="65000"/>
-                    <a:lumOff val="35000"/>
-                  </a:schemeClr>
-                </a:solidFill>
-              </a:rPr>
-              <a:t>al.,</a:t>
-            </a:r>
-            <a:r>
-              <a:rPr lang="en-US" sz="1600" dirty="0" smtClean="0">
-                <a:solidFill>
-                  <a:schemeClr val="tx1">
-                    <a:lumMod val="65000"/>
-                    <a:lumOff val="35000"/>
-                  </a:schemeClr>
-                </a:solidFill>
-              </a:rPr>
-              <a:t> PRL </a:t>
+              <a:t>, et. al., PRL </a:t>
             </a:r>
             <a:r>
               <a:rPr lang="en-US" sz="1600" b="1" dirty="0" smtClean="0">
@@ -32142,51 +32094,7 @@
                   </a:schemeClr>
                 </a:solidFill>
               </a:rPr>
-              <a:t>, </a:t>
-            </a:r>
-            <a:r>
-              <a:rPr lang="en-US" sz="1600" dirty="0" smtClean="0">
-                <a:solidFill>
-                  <a:schemeClr val="tx1">
-                    <a:lumMod val="65000"/>
-                    <a:lumOff val="35000"/>
-                  </a:schemeClr>
-                </a:solidFill>
-              </a:rPr>
-              <a:t>165702</a:t>
-            </a:r>
-            <a:r>
-              <a:rPr lang="en-US" sz="1600" dirty="0" smtClean="0">
-                <a:solidFill>
-                  <a:schemeClr val="tx1">
-                    <a:lumMod val="65000"/>
-                    <a:lumOff val="35000"/>
-                  </a:schemeClr>
-                </a:solidFill>
-              </a:rPr>
-              <a:t> </a:t>
-            </a:r>
-            <a:r>
-              <a:rPr lang="en-US" sz="1600" dirty="0" smtClean="0">
-                <a:solidFill>
-                  <a:schemeClr val="tx1">
-                    <a:lumMod val="65000"/>
-                    <a:lumOff val="35000"/>
-                  </a:schemeClr>
-                </a:solidFill>
-              </a:rPr>
-              <a:t>(</a:t>
-            </a:r>
-            <a:r>
-              <a:rPr lang="en-US" sz="1600" dirty="0" smtClean="0">
-                <a:solidFill>
-                  <a:schemeClr val="tx1">
-                    <a:lumMod val="65000"/>
-                    <a:lumOff val="35000"/>
-                  </a:schemeClr>
-                </a:solidFill>
-              </a:rPr>
-              <a:t>2008)</a:t>
+              <a:t>, 165702 (2008)</a:t>
             </a:r>
           </a:p>
           <a:p>
@@ -32460,7 +32368,7 @@
                       <m:sSubPr>
                         <m:ctrlPr>
                           <a:rPr lang="en-US" sz="2000" b="0" i="1" smtClean="0">
-                            <a:latin typeface="Cambria Math" panose="02040503050406030204" pitchFamily="18" charset="0"/>
+                            <a:latin typeface="Cambria Math"/>
                             <a:cs typeface="Times New Roman" panose="02020603050405020304" pitchFamily="18" charset="0"/>
                           </a:rPr>
                         </m:ctrlPr>
@@ -32520,7 +32428,7 @@
                       <m:funcPr>
                         <m:ctrlPr>
                           <a:rPr lang="en-US" sz="2000" b="0" i="1" smtClean="0">
-                            <a:latin typeface="Cambria Math" panose="02040503050406030204" pitchFamily="18" charset="0"/>
+                            <a:latin typeface="Cambria Math"/>
                             <a:cs typeface="Times New Roman" panose="02020603050405020304" pitchFamily="18" charset="0"/>
                           </a:rPr>
                         </m:ctrlPr>
@@ -32544,7 +32452,7 @@
                             <m:endChr m:val="]"/>
                             <m:ctrlPr>
                               <a:rPr lang="en-US" sz="2000" b="0" i="1" smtClean="0">
-                                <a:latin typeface="Cambria Math" panose="02040503050406030204" pitchFamily="18" charset="0"/>
+                                <a:latin typeface="Cambria Math"/>
                                 <a:cs typeface="Times New Roman" panose="02020603050405020304" pitchFamily="18" charset="0"/>
                               </a:rPr>
                             </m:ctrlPr>
@@ -32575,7 +32483,7 @@
                               <m:sSupPr>
                                 <m:ctrlPr>
                                   <a:rPr lang="en-US" sz="2000" b="0" i="1" smtClean="0">
-                                    <a:latin typeface="Cambria Math" panose="02040503050406030204" pitchFamily="18" charset="0"/>
+                                    <a:latin typeface="Cambria Math"/>
                                     <a:cs typeface="Times New Roman" panose="02020603050405020304" pitchFamily="18" charset="0"/>
                                   </a:rPr>
                                 </m:ctrlPr>
@@ -32640,7 +32548,7 @@
                       <m:sSubPr>
                         <m:ctrlPr>
                           <a:rPr lang="en-US" sz="2000" i="1">
-                            <a:latin typeface="Cambria Math" panose="02040503050406030204" pitchFamily="18" charset="0"/>
+                            <a:latin typeface="Cambria Math"/>
                             <a:cs typeface="Times New Roman" panose="02020603050405020304" pitchFamily="18" charset="0"/>
                           </a:rPr>
                         </m:ctrlPr>
@@ -32721,7 +32629,7 @@
                       <m:funcPr>
                         <m:ctrlPr>
                           <a:rPr lang="en-US" sz="2000" i="1">
-                            <a:latin typeface="Cambria Math" panose="02040503050406030204" pitchFamily="18" charset="0"/>
+                            <a:latin typeface="Cambria Math"/>
                             <a:cs typeface="Times New Roman" panose="02020603050405020304" pitchFamily="18" charset="0"/>
                           </a:rPr>
                         </m:ctrlPr>
@@ -32764,7 +32672,7 @@
                           <m:sSupPr>
                             <m:ctrlPr>
                               <a:rPr lang="en-US" sz="2000" i="1">
-                                <a:latin typeface="Cambria Math" panose="02040503050406030204" pitchFamily="18" charset="0"/>
+                                <a:latin typeface="Cambria Math"/>
                                 <a:cs typeface="Times New Roman" panose="02020603050405020304" pitchFamily="18" charset="0"/>
                               </a:rPr>
                             </m:ctrlPr>
@@ -34112,7 +34020,7 @@
                       <m:fPr>
                         <m:ctrlPr>
                           <a:rPr lang="en-US" sz="2200" b="0" i="1" smtClean="0">
-                            <a:latin typeface="Cambria Math" panose="02040503050406030204" pitchFamily="18" charset="0"/>
+                            <a:latin typeface="Cambria Math"/>
                             <a:ea typeface="Cambria Math"/>
                             <a:cs typeface="Times New Roman" panose="02020603050405020304" pitchFamily="18" charset="0"/>
                           </a:rPr>
@@ -34133,7 +34041,7 @@
                           <m:sSubPr>
                             <m:ctrlPr>
                               <a:rPr lang="en-US" sz="2200" b="0" i="1" smtClean="0">
-                                <a:latin typeface="Cambria Math" panose="02040503050406030204" pitchFamily="18" charset="0"/>
+                                <a:latin typeface="Cambria Math"/>
                                 <a:ea typeface="Cambria Math"/>
                                 <a:cs typeface="Times New Roman" panose="02020603050405020304" pitchFamily="18" charset="0"/>
                               </a:rPr>
@@ -34328,7 +34236,7 @@
                                   <m:sSubPr>
                                     <m:ctrlPr>
                                       <a:rPr lang="en-US" sz="3200" b="0" i="1" smtClean="0">
-                                        <a:latin typeface="Cambria Math" panose="02040503050406030204" pitchFamily="18" charset="0"/>
+                                        <a:latin typeface="Cambria Math"/>
                                       </a:rPr>
                                     </m:ctrlPr>
                                   </m:sSubPr>
@@ -34420,7 +34328,7 @@
                                   <m:fPr>
                                     <m:ctrlPr>
                                       <a:rPr lang="en-US" sz="2800" b="0" i="1" smtClean="0">
-                                        <a:latin typeface="Cambria Math" panose="02040503050406030204" pitchFamily="18" charset="0"/>
+                                        <a:latin typeface="Cambria Math"/>
                                       </a:rPr>
                                     </m:ctrlPr>
                                   </m:fPr>
@@ -34437,7 +34345,7 @@
                                       <m:sSubPr>
                                         <m:ctrlPr>
                                           <a:rPr lang="en-US" sz="2800" b="0" i="1" smtClean="0">
-                                            <a:latin typeface="Cambria Math" panose="02040503050406030204" pitchFamily="18" charset="0"/>
+                                            <a:latin typeface="Cambria Math"/>
                                           </a:rPr>
                                         </m:ctrlPr>
                                       </m:sSubPr>
@@ -34798,7 +34706,7 @@
                           <m:chr m:val="∑"/>
                           <m:ctrlPr>
                             <a:rPr lang="en-US" sz="2000" i="1">
-                              <a:latin typeface="Cambria Math" panose="02040503050406030204" pitchFamily="18" charset="0"/>
+                              <a:latin typeface="Cambria Math"/>
                               <a:cs typeface="Times New Roman" panose="02020603050405020304" pitchFamily="18" charset="0"/>
                             </a:rPr>
                           </m:ctrlPr>
@@ -34824,7 +34732,7 @@
                             <m:sSubPr>
                               <m:ctrlPr>
                                 <a:rPr lang="en-US" sz="2000" i="1">
-                                  <a:latin typeface="Cambria Math" panose="02040503050406030204" pitchFamily="18" charset="0"/>
+                                  <a:latin typeface="Cambria Math"/>
                                   <a:cs typeface="Times New Roman" panose="02020603050405020304" pitchFamily="18" charset="0"/>
                                 </a:rPr>
                               </m:ctrlPr>
@@ -34860,7 +34768,7 @@
                                   <a:solidFill>
                                     <a:srgbClr val="C00000"/>
                                   </a:solidFill>
-                                  <a:latin typeface="Cambria Math" panose="02040503050406030204" pitchFamily="18" charset="0"/>
+                                  <a:latin typeface="Cambria Math"/>
                                   <a:cs typeface="Times New Roman" panose="02020603050405020304" pitchFamily="18" charset="0"/>
                                 </a:rPr>
                               </m:ctrlPr>
@@ -34896,7 +34804,7 @@
                         <m:funcPr>
                           <m:ctrlPr>
                             <a:rPr lang="en-US" sz="2000" i="1">
-                              <a:latin typeface="Cambria Math" panose="02040503050406030204" pitchFamily="18" charset="0"/>
+                              <a:latin typeface="Cambria Math"/>
                               <a:cs typeface="Times New Roman" panose="02020603050405020304" pitchFamily="18" charset="0"/>
                             </a:rPr>
                           </m:ctrlPr>
@@ -35957,7 +35865,7 @@
                       <m:fPr>
                         <m:ctrlPr>
                           <a:rPr lang="en-US" sz="2200" b="0" i="1" smtClean="0">
-                            <a:latin typeface="Cambria Math" panose="02040503050406030204" pitchFamily="18" charset="0"/>
+                            <a:latin typeface="Cambria Math"/>
                             <a:ea typeface="Cambria Math"/>
                             <a:cs typeface="Times New Roman" panose="02020603050405020304" pitchFamily="18" charset="0"/>
                           </a:rPr>
@@ -35978,7 +35886,7 @@
                           <m:sSubPr>
                             <m:ctrlPr>
                               <a:rPr lang="en-US" sz="2200" b="0" i="1" smtClean="0">
-                                <a:latin typeface="Cambria Math" panose="02040503050406030204" pitchFamily="18" charset="0"/>
+                                <a:latin typeface="Cambria Math"/>
                                 <a:ea typeface="Cambria Math"/>
                                 <a:cs typeface="Times New Roman" panose="02020603050405020304" pitchFamily="18" charset="0"/>
                               </a:rPr>
@@ -36038,7 +35946,7 @@
                       <m:sSubPr>
                         <m:ctrlPr>
                           <a:rPr lang="en-US" sz="2000" b="0" i="1" smtClean="0">
-                            <a:latin typeface="Cambria Math" panose="02040503050406030204" pitchFamily="18" charset="0"/>
+                            <a:latin typeface="Cambria Math"/>
                             <a:cs typeface="Times New Roman" panose="02020603050405020304" pitchFamily="18" charset="0"/>
                           </a:rPr>
                         </m:ctrlPr>
@@ -36120,7 +36028,7 @@
                             <a:solidFill>
                               <a:schemeClr val="tx1"/>
                             </a:solidFill>
-                            <a:latin typeface="Cambria Math" panose="02040503050406030204" pitchFamily="18" charset="0"/>
+                            <a:latin typeface="Cambria Math"/>
                             <a:cs typeface="Times New Roman" panose="02020603050405020304" pitchFamily="18" charset="0"/>
                           </a:rPr>
                         </m:ctrlPr>
@@ -36238,7 +36146,7 @@
                       <m:funcPr>
                         <m:ctrlPr>
                           <a:rPr lang="en-US" sz="2000" b="0" i="1" smtClean="0">
-                            <a:latin typeface="Cambria Math" panose="02040503050406030204" pitchFamily="18" charset="0"/>
+                            <a:latin typeface="Cambria Math"/>
                             <a:cs typeface="Times New Roman" panose="02020603050405020304" pitchFamily="18" charset="0"/>
                           </a:rPr>
                         </m:ctrlPr>
@@ -36262,7 +36170,7 @@
                             <m:endChr m:val="]"/>
                             <m:ctrlPr>
                               <a:rPr lang="en-US" sz="2000" b="0" i="1" smtClean="0">
-                                <a:latin typeface="Cambria Math" panose="02040503050406030204" pitchFamily="18" charset="0"/>
+                                <a:latin typeface="Cambria Math"/>
                                 <a:cs typeface="Times New Roman" panose="02020603050405020304" pitchFamily="18" charset="0"/>
                               </a:rPr>
                             </m:ctrlPr>
@@ -36279,7 +36187,7 @@
                               <m:funcPr>
                                 <m:ctrlPr>
                                   <a:rPr lang="en-US" sz="2000" b="0" i="1" smtClean="0">
-                                    <a:latin typeface="Cambria Math" panose="02040503050406030204" pitchFamily="18" charset="0"/>
+                                    <a:latin typeface="Cambria Math"/>
                                     <a:cs typeface="Times New Roman" panose="02020603050405020304" pitchFamily="18" charset="0"/>
                                   </a:rPr>
                                 </m:ctrlPr>
@@ -36301,7 +36209,7 @@
                                   <m:dPr>
                                     <m:ctrlPr>
                                       <a:rPr lang="en-US" sz="2000" b="0" i="1" smtClean="0">
-                                        <a:latin typeface="Cambria Math" panose="02040503050406030204" pitchFamily="18" charset="0"/>
+                                        <a:latin typeface="Cambria Math"/>
                                         <a:cs typeface="Times New Roman" panose="02020603050405020304" pitchFamily="18" charset="0"/>
                                       </a:rPr>
                                     </m:ctrlPr>
@@ -36311,7 +36219,7 @@
                                       <m:fPr>
                                         <m:ctrlPr>
                                           <a:rPr lang="en-US" sz="2000" b="0" i="1" smtClean="0">
-                                            <a:latin typeface="Cambria Math" panose="02040503050406030204" pitchFamily="18" charset="0"/>
+                                            <a:latin typeface="Cambria Math"/>
                                             <a:cs typeface="Times New Roman" panose="02020603050405020304" pitchFamily="18" charset="0"/>
                                           </a:rPr>
                                         </m:ctrlPr>
@@ -36321,7 +36229,7 @@
                                           <m:sSubPr>
                                             <m:ctrlPr>
                                               <a:rPr lang="en-US" sz="2000" b="0" i="1" smtClean="0">
-                                                <a:latin typeface="Cambria Math" panose="02040503050406030204" pitchFamily="18" charset="0"/>
+                                                <a:latin typeface="Cambria Math"/>
                                                 <a:cs typeface="Times New Roman" panose="02020603050405020304" pitchFamily="18" charset="0"/>
                                               </a:rPr>
                                             </m:ctrlPr>
@@ -36351,7 +36259,7 @@
                                           <m:sSubPr>
                                             <m:ctrlPr>
                                               <a:rPr lang="en-US" sz="2000" b="0" i="1" smtClean="0">
-                                                <a:latin typeface="Cambria Math" panose="02040503050406030204" pitchFamily="18" charset="0"/>
+                                                <a:latin typeface="Cambria Math"/>
                                                 <a:cs typeface="Times New Roman" panose="02020603050405020304" pitchFamily="18" charset="0"/>
                                               </a:rPr>
                                             </m:ctrlPr>
@@ -36460,7 +36368,7 @@
                       <m:funcPr>
                         <m:ctrlPr>
                           <a:rPr lang="en-US" sz="2000" b="0" i="1" smtClean="0">
-                            <a:latin typeface="Cambria Math" panose="02040503050406030204" pitchFamily="18" charset="0"/>
+                            <a:latin typeface="Cambria Math"/>
                             <a:cs typeface="Times New Roman" panose="02020603050405020304" pitchFamily="18" charset="0"/>
                           </a:rPr>
                         </m:ctrlPr>
@@ -36484,7 +36392,7 @@
                             <m:endChr m:val="]"/>
                             <m:ctrlPr>
                               <a:rPr lang="en-US" sz="2000" b="0" i="1" smtClean="0">
-                                <a:latin typeface="Cambria Math" panose="02040503050406030204" pitchFamily="18" charset="0"/>
+                                <a:latin typeface="Cambria Math"/>
                                 <a:cs typeface="Times New Roman" panose="02020603050405020304" pitchFamily="18" charset="0"/>
                               </a:rPr>
                             </m:ctrlPr>
@@ -36501,7 +36409,7 @@
                               <m:funcPr>
                                 <m:ctrlPr>
                                   <a:rPr lang="en-US" sz="2000" b="0" i="1" smtClean="0">
-                                    <a:latin typeface="Cambria Math" panose="02040503050406030204" pitchFamily="18" charset="0"/>
+                                    <a:latin typeface="Cambria Math"/>
                                     <a:cs typeface="Times New Roman" panose="02020603050405020304" pitchFamily="18" charset="0"/>
                                   </a:rPr>
                                 </m:ctrlPr>
@@ -36523,7 +36431,7 @@
                                   <m:dPr>
                                     <m:ctrlPr>
                                       <a:rPr lang="en-US" sz="2000" b="0" i="1" smtClean="0">
-                                        <a:latin typeface="Cambria Math" panose="02040503050406030204" pitchFamily="18" charset="0"/>
+                                        <a:latin typeface="Cambria Math"/>
                                         <a:cs typeface="Times New Roman" panose="02020603050405020304" pitchFamily="18" charset="0"/>
                                       </a:rPr>
                                     </m:ctrlPr>
@@ -36533,7 +36441,7 @@
                                       <m:fPr>
                                         <m:ctrlPr>
                                           <a:rPr lang="en-US" sz="2000" b="0" i="1" smtClean="0">
-                                            <a:latin typeface="Cambria Math" panose="02040503050406030204" pitchFamily="18" charset="0"/>
+                                            <a:latin typeface="Cambria Math"/>
                                             <a:cs typeface="Times New Roman" panose="02020603050405020304" pitchFamily="18" charset="0"/>
                                           </a:rPr>
                                         </m:ctrlPr>
@@ -36543,7 +36451,7 @@
                                           <m:sSubPr>
                                             <m:ctrlPr>
                                               <a:rPr lang="en-US" sz="2000" b="0" i="1" smtClean="0">
-                                                <a:latin typeface="Cambria Math" panose="02040503050406030204" pitchFamily="18" charset="0"/>
+                                                <a:latin typeface="Cambria Math"/>
                                                 <a:cs typeface="Times New Roman" panose="02020603050405020304" pitchFamily="18" charset="0"/>
                                               </a:rPr>
                                             </m:ctrlPr>
@@ -36580,7 +36488,7 @@
                                           <m:sSubPr>
                                             <m:ctrlPr>
                                               <a:rPr lang="en-US" sz="2000" b="0" i="1" smtClean="0">
-                                                <a:latin typeface="Cambria Math" panose="02040503050406030204" pitchFamily="18" charset="0"/>
+                                                <a:latin typeface="Cambria Math"/>
                                                 <a:cs typeface="Times New Roman" panose="02020603050405020304" pitchFamily="18" charset="0"/>
                                               </a:rPr>
                                             </m:ctrlPr>
@@ -36664,7 +36572,7 @@
                       <m:sSubPr>
                         <m:ctrlPr>
                           <a:rPr lang="en-US" sz="2000" b="0" i="1" smtClean="0">
-                            <a:latin typeface="Cambria Math" panose="02040503050406030204" pitchFamily="18" charset="0"/>
+                            <a:latin typeface="Cambria Math"/>
                             <a:cs typeface="Times New Roman" panose="02020603050405020304" pitchFamily="18" charset="0"/>
                           </a:rPr>
                         </m:ctrlPr>
@@ -36700,7 +36608,7 @@
                       <m:sSubPr>
                         <m:ctrlPr>
                           <a:rPr lang="en-US" sz="2000" b="0" i="1" smtClean="0">
-                            <a:latin typeface="Cambria Math" panose="02040503050406030204" pitchFamily="18" charset="0"/>
+                            <a:latin typeface="Cambria Math"/>
                             <a:ea typeface="Cambria Math"/>
                             <a:cs typeface="Times New Roman" panose="02020603050405020304" pitchFamily="18" charset="0"/>
                           </a:rPr>
@@ -36840,7 +36748,7 @@
                       <m:sSubPr>
                         <m:ctrlPr>
                           <a:rPr lang="en-US" sz="2000" b="0" i="1" smtClean="0">
-                            <a:latin typeface="Cambria Math" panose="02040503050406030204" pitchFamily="18" charset="0"/>
+                            <a:latin typeface="Cambria Math"/>
                             <a:cs typeface="Times New Roman" panose="02020603050405020304" pitchFamily="18" charset="0"/>
                           </a:rPr>
                         </m:ctrlPr>
@@ -36876,7 +36784,7 @@
                       <m:sSubPr>
                         <m:ctrlPr>
                           <a:rPr lang="en-US" sz="2000" b="0" i="1" smtClean="0">
-                            <a:latin typeface="Cambria Math" panose="02040503050406030204" pitchFamily="18" charset="0"/>
+                            <a:latin typeface="Cambria Math"/>
                             <a:ea typeface="Cambria Math"/>
                             <a:cs typeface="Times New Roman" panose="02020603050405020304" pitchFamily="18" charset="0"/>
                           </a:rPr>
@@ -36973,7 +36881,7 @@
                       <m:sSubPr>
                         <m:ctrlPr>
                           <a:rPr lang="en-US" sz="2000" b="0" i="1" smtClean="0">
-                            <a:latin typeface="Cambria Math" panose="02040503050406030204" pitchFamily="18" charset="0"/>
+                            <a:latin typeface="Cambria Math"/>
                             <a:cs typeface="Times New Roman" panose="02020603050405020304" pitchFamily="18" charset="0"/>
                           </a:rPr>
                         </m:ctrlPr>
@@ -37078,7 +36986,7 @@
                                 </a:srgbClr>
                               </a:outerShdw>
                             </a:effectLst>
-                            <a:latin typeface="Cambria Math" panose="02040503050406030204" pitchFamily="18" charset="0"/>
+                            <a:latin typeface="Cambria Math"/>
                             <a:ea typeface="Cambria Math"/>
                             <a:cs typeface="Times New Roman" panose="02020603050405020304" pitchFamily="18" charset="0"/>
                           </a:rPr>
@@ -37145,7 +37053,7 @@
                                 </a:srgbClr>
                               </a:outerShdw>
                             </a:effectLst>
-                            <a:latin typeface="Cambria Math" panose="02040503050406030204" pitchFamily="18" charset="0"/>
+                            <a:latin typeface="Cambria Math"/>
                             <a:ea typeface="Cambria Math"/>
                             <a:cs typeface="Times New Roman" panose="02020603050405020304" pitchFamily="18" charset="0"/>
                           </a:rPr>
@@ -37333,7 +37241,7 @@
                           <m:chr m:val="∑"/>
                           <m:ctrlPr>
                             <a:rPr lang="en-US" sz="2000" i="1">
-                              <a:latin typeface="Cambria Math" panose="02040503050406030204" pitchFamily="18" charset="0"/>
+                              <a:latin typeface="Cambria Math"/>
                               <a:cs typeface="Times New Roman" panose="02020603050405020304" pitchFamily="18" charset="0"/>
                             </a:rPr>
                           </m:ctrlPr>
@@ -37359,7 +37267,7 @@
                             <m:sSubPr>
                               <m:ctrlPr>
                                 <a:rPr lang="en-US" sz="2000" i="1">
-                                  <a:latin typeface="Cambria Math" panose="02040503050406030204" pitchFamily="18" charset="0"/>
+                                  <a:latin typeface="Cambria Math"/>
                                   <a:cs typeface="Times New Roman" panose="02020603050405020304" pitchFamily="18" charset="0"/>
                                 </a:rPr>
                               </m:ctrlPr>
@@ -37395,7 +37303,7 @@
                                   <a:solidFill>
                                     <a:srgbClr val="C00000"/>
                                   </a:solidFill>
-                                  <a:latin typeface="Cambria Math" panose="02040503050406030204" pitchFamily="18" charset="0"/>
+                                  <a:latin typeface="Cambria Math"/>
                                   <a:cs typeface="Times New Roman" panose="02020603050405020304" pitchFamily="18" charset="0"/>
                                 </a:rPr>
                               </m:ctrlPr>
@@ -37431,7 +37339,7 @@
                         <m:funcPr>
                           <m:ctrlPr>
                             <a:rPr lang="en-US" sz="2000" i="1">
-                              <a:latin typeface="Cambria Math" panose="02040503050406030204" pitchFamily="18" charset="0"/>
+                              <a:latin typeface="Cambria Math"/>
                               <a:cs typeface="Times New Roman" panose="02020603050405020304" pitchFamily="18" charset="0"/>
                             </a:rPr>
                           </m:ctrlPr>
@@ -37650,8 +37558,8 @@
           </a:xfrm>
         </p:spPr>
       </p:pic>
-      <mc:AlternateContent xmlns:mc="http://schemas.openxmlformats.org/markup-compatibility/2006">
-        <mc:Choice xmlns:a14="http://schemas.microsoft.com/office/drawing/2010/main" Requires="a14">
+      <mc:AlternateContent xmlns:mc="http://schemas.openxmlformats.org/markup-compatibility/2006" xmlns:a14="http://schemas.microsoft.com/office/drawing/2010/main">
+        <mc:Choice Requires="a14">
           <p:sp>
             <p:nvSpPr>
               <p:cNvPr id="5" name="TextBox 4"/>
@@ -37749,7 +37657,7 @@
                       <m:sSupPr>
                         <m:ctrlPr>
                           <a:rPr lang="en-US" sz="2400" b="0" i="1" smtClean="0">
-                            <a:latin typeface="Cambria Math" panose="02040503050406030204" pitchFamily="18" charset="0"/>
+                            <a:latin typeface="Cambria Math"/>
                           </a:rPr>
                         </m:ctrlPr>
                       </m:sSupPr>
@@ -37783,7 +37691,7 @@
             </p:txBody>
           </p:sp>
         </mc:Choice>
-        <mc:Fallback>
+        <mc:Fallback xmlns="">
           <p:sp>
             <p:nvSpPr>
               <p:cNvPr id="5" name="TextBox 4"/>
@@ -38021,8 +37929,8 @@
           <a:chExt cx="0" cy="0"/>
         </a:xfrm>
       </p:grpSpPr>
-      <mc:AlternateContent xmlns:mc="http://schemas.openxmlformats.org/markup-compatibility/2006">
-        <mc:Choice xmlns:a14="http://schemas.microsoft.com/office/drawing/2010/main" Requires="a14">
+      <mc:AlternateContent xmlns:mc="http://schemas.openxmlformats.org/markup-compatibility/2006" xmlns:a14="http://schemas.microsoft.com/office/drawing/2010/main">
+        <mc:Choice Requires="a14">
           <p:sp>
             <p:nvSpPr>
               <p:cNvPr id="2" name="Title 1"/>
@@ -38043,6 +37951,7 @@
               <a:bodyPr/>
               <a:lstStyle/>
               <a:p>
+                <a:pPr/>
                 <a14:m>
                   <m:oMathPara xmlns:m="http://schemas.openxmlformats.org/officeDocument/2006/math">
                     <m:oMathParaPr>
@@ -38065,7 +37974,7 @@
                         <m:sSupPr>
                           <m:ctrlPr>
                             <a:rPr lang="en-US" b="0" i="1" smtClean="0">
-                              <a:latin typeface="Cambria Math" panose="02040503050406030204" pitchFamily="18" charset="0"/>
+                              <a:latin typeface="Cambria Math"/>
                             </a:rPr>
                           </m:ctrlPr>
                         </m:sSupPr>
@@ -38094,7 +38003,7 @@
             </p:txBody>
           </p:sp>
         </mc:Choice>
-        <mc:Fallback>
+        <mc:Fallback xmlns="">
           <p:sp>
             <p:nvSpPr>
               <p:cNvPr id="2" name="Title 1"/>
@@ -38230,8 +38139,8 @@
           </a:p>
         </p:txBody>
       </p:sp>
-      <mc:AlternateContent xmlns:mc="http://schemas.openxmlformats.org/markup-compatibility/2006">
-        <mc:Choice xmlns:a14="http://schemas.microsoft.com/office/drawing/2010/main" Requires="a14">
+      <mc:AlternateContent xmlns:mc="http://schemas.openxmlformats.org/markup-compatibility/2006" xmlns:a14="http://schemas.microsoft.com/office/drawing/2010/main">
+        <mc:Choice Requires="a14">
           <p:sp>
             <p:nvSpPr>
               <p:cNvPr id="3" name="Content Placeholder 2"/>
@@ -38271,7 +38180,7 @@
                       <m:sSubPr>
                         <m:ctrlPr>
                           <a:rPr lang="en-US" sz="2400" b="0" i="1" smtClean="0">
-                            <a:latin typeface="Cambria Math" panose="02040503050406030204" pitchFamily="18" charset="0"/>
+                            <a:latin typeface="Cambria Math"/>
                           </a:rPr>
                         </m:ctrlPr>
                       </m:sSubPr>
@@ -38320,13 +38229,8 @@
                 </a14:m>
                 <a:r>
                   <a:rPr lang="en-US" sz="2400" dirty="0" smtClean="0"/>
-                  <a:t> </a:t>
+                  <a:t> particle</a:t>
                 </a:r>
-                <a:r>
-                  <a:rPr lang="en-US" sz="2400" dirty="0" smtClean="0"/>
-                  <a:t>particle</a:t>
-                </a:r>
-                <a:endParaRPr lang="en-US" sz="2400" dirty="0" smtClean="0"/>
               </a:p>
               <a:p>
                 <a:pPr lvl="1"/>
@@ -38359,7 +38263,7 @@
             </p:txBody>
           </p:sp>
         </mc:Choice>
-        <mc:Fallback>
+        <mc:Fallback xmlns="">
           <p:sp>
             <p:nvSpPr>
               <p:cNvPr id="3" name="Content Placeholder 2"/>
@@ -38572,8 +38476,8 @@
           </a:p>
         </p:txBody>
       </p:sp>
-      <mc:AlternateContent xmlns:mc="http://schemas.openxmlformats.org/markup-compatibility/2006">
-        <mc:Choice xmlns:a14="http://schemas.microsoft.com/office/drawing/2010/main" Requires="a14">
+      <mc:AlternateContent xmlns:mc="http://schemas.openxmlformats.org/markup-compatibility/2006" xmlns:a14="http://schemas.microsoft.com/office/drawing/2010/main">
+        <mc:Choice Requires="a14">
           <p:sp>
             <p:nvSpPr>
               <p:cNvPr id="3" name="Content Placeholder 2"/>
@@ -38613,7 +38517,7 @@
                       <m:sSubPr>
                         <m:ctrlPr>
                           <a:rPr lang="en-US" sz="2400" b="0" i="1" smtClean="0">
-                            <a:latin typeface="Cambria Math" panose="02040503050406030204" pitchFamily="18" charset="0"/>
+                            <a:latin typeface="Cambria Math"/>
                           </a:rPr>
                         </m:ctrlPr>
                       </m:sSubPr>
@@ -38662,13 +38566,8 @@
                 </a14:m>
                 <a:r>
                   <a:rPr lang="en-US" sz="2400" dirty="0" smtClean="0"/>
-                  <a:t> </a:t>
+                  <a:t> particle</a:t>
                 </a:r>
-                <a:r>
-                  <a:rPr lang="en-US" sz="2400" dirty="0" smtClean="0"/>
-                  <a:t>particle</a:t>
-                </a:r>
-                <a:endParaRPr lang="en-US" sz="2400" dirty="0" smtClean="0"/>
               </a:p>
               <a:p>
                 <a:pPr lvl="1"/>
@@ -38701,7 +38600,7 @@
             </p:txBody>
           </p:sp>
         </mc:Choice>
-        <mc:Fallback>
+        <mc:Fallback xmlns="">
           <p:sp>
             <p:nvSpPr>
               <p:cNvPr id="3" name="Content Placeholder 2"/>
@@ -39118,8 +39017,8 @@
           </p:sp>
         </mc:Fallback>
       </mc:AlternateContent>
-      <mc:AlternateContent xmlns:mc="http://schemas.openxmlformats.org/markup-compatibility/2006">
-        <mc:Choice xmlns:a14="http://schemas.microsoft.com/office/drawing/2010/main" Requires="a14">
+      <mc:AlternateContent xmlns:mc="http://schemas.openxmlformats.org/markup-compatibility/2006" xmlns:a14="http://schemas.microsoft.com/office/drawing/2010/main">
+        <mc:Choice Requires="a14">
           <p:sp>
             <p:nvSpPr>
               <p:cNvPr id="57" name="TextBox 56"/>
@@ -39153,7 +39052,7 @@
                         <m:funcPr>
                           <m:ctrlPr>
                             <a:rPr lang="en-US" sz="2400" b="0" i="1" smtClean="0">
-                              <a:latin typeface="Cambria Math" panose="02040503050406030204" pitchFamily="18" charset="0"/>
+                              <a:latin typeface="Cambria Math"/>
                             </a:rPr>
                           </m:ctrlPr>
                         </m:funcPr>
@@ -39194,7 +39093,7 @@
             </p:txBody>
           </p:sp>
         </mc:Choice>
-        <mc:Fallback>
+        <mc:Fallback xmlns="">
           <p:sp>
             <p:nvSpPr>
               <p:cNvPr id="57" name="TextBox 56"/>
@@ -39233,8 +39132,8 @@
           </p:sp>
         </mc:Fallback>
       </mc:AlternateContent>
-      <mc:AlternateContent xmlns:mc="http://schemas.openxmlformats.org/markup-compatibility/2006">
-        <mc:Choice xmlns:a14="http://schemas.microsoft.com/office/drawing/2010/main" Requires="a14">
+      <mc:AlternateContent xmlns:mc="http://schemas.openxmlformats.org/markup-compatibility/2006" xmlns:a14="http://schemas.microsoft.com/office/drawing/2010/main">
+        <mc:Choice Requires="a14">
           <p:sp>
             <p:nvSpPr>
               <p:cNvPr id="4" name="TextBox 3"/>
@@ -39257,7 +39156,6 @@
               </a:bodyPr>
               <a:lstStyle/>
               <a:p>
-                <a:pPr/>
                 <a14:m>
                   <m:oMath xmlns:m="http://schemas.openxmlformats.org/officeDocument/2006/math">
                     <m:r>
@@ -39301,7 +39199,7 @@
             </p:txBody>
           </p:sp>
         </mc:Choice>
-        <mc:Fallback>
+        <mc:Fallback xmlns="">
           <p:sp>
             <p:nvSpPr>
               <p:cNvPr id="4" name="TextBox 3"/>
@@ -39515,8 +39413,8 @@
           </a:p>
         </p:txBody>
       </p:sp>
-      <mc:AlternateContent xmlns:mc="http://schemas.openxmlformats.org/markup-compatibility/2006">
-        <mc:Choice xmlns:a14="http://schemas.microsoft.com/office/drawing/2010/main" Requires="a14">
+      <mc:AlternateContent xmlns:mc="http://schemas.openxmlformats.org/markup-compatibility/2006" xmlns:a14="http://schemas.microsoft.com/office/drawing/2010/main">
+        <mc:Choice Requires="a14">
           <p:sp>
             <p:nvSpPr>
               <p:cNvPr id="3" name="Content Placeholder 2"/>
@@ -39556,7 +39454,7 @@
                       <m:sSubPr>
                         <m:ctrlPr>
                           <a:rPr lang="en-US" sz="2400" b="0" i="1" smtClean="0">
-                            <a:latin typeface="Cambria Math" panose="02040503050406030204" pitchFamily="18" charset="0"/>
+                            <a:latin typeface="Cambria Math"/>
                           </a:rPr>
                         </m:ctrlPr>
                       </m:sSubPr>
@@ -39605,13 +39503,8 @@
                 </a14:m>
                 <a:r>
                   <a:rPr lang="en-US" sz="2400" dirty="0" smtClean="0"/>
-                  <a:t> </a:t>
+                  <a:t> particle</a:t>
                 </a:r>
-                <a:r>
-                  <a:rPr lang="en-US" sz="2400" dirty="0" smtClean="0"/>
-                  <a:t>particle</a:t>
-                </a:r>
-                <a:endParaRPr lang="en-US" sz="2400" dirty="0" smtClean="0"/>
               </a:p>
               <a:p>
                 <a:pPr lvl="1"/>
@@ -39644,7 +39537,7 @@
             </p:txBody>
           </p:sp>
         </mc:Choice>
-        <mc:Fallback>
+        <mc:Fallback xmlns="">
           <p:sp>
             <p:nvSpPr>
               <p:cNvPr id="3" name="Content Placeholder 2"/>
@@ -40763,8 +40656,8 @@
           </p:sp>
         </mc:Fallback>
       </mc:AlternateContent>
-      <mc:AlternateContent xmlns:mc="http://schemas.openxmlformats.org/markup-compatibility/2006">
-        <mc:Choice xmlns:a14="http://schemas.microsoft.com/office/drawing/2010/main" Requires="a14">
+      <mc:AlternateContent xmlns:mc="http://schemas.openxmlformats.org/markup-compatibility/2006" xmlns:a14="http://schemas.microsoft.com/office/drawing/2010/main">
+        <mc:Choice Requires="a14">
           <p:sp>
             <p:nvSpPr>
               <p:cNvPr id="57" name="TextBox 56"/>
@@ -40798,7 +40691,7 @@
                         <m:funcPr>
                           <m:ctrlPr>
                             <a:rPr lang="en-US" sz="2400" b="0" i="1" smtClean="0">
-                              <a:latin typeface="Cambria Math" panose="02040503050406030204" pitchFamily="18" charset="0"/>
+                              <a:latin typeface="Cambria Math"/>
                             </a:rPr>
                           </m:ctrlPr>
                         </m:funcPr>
@@ -40839,7 +40732,7 @@
             </p:txBody>
           </p:sp>
         </mc:Choice>
-        <mc:Fallback>
+        <mc:Fallback xmlns="">
           <p:sp>
             <p:nvSpPr>
               <p:cNvPr id="57" name="TextBox 56"/>
@@ -40878,8 +40771,8 @@
           </p:sp>
         </mc:Fallback>
       </mc:AlternateContent>
-      <mc:AlternateContent xmlns:mc="http://schemas.openxmlformats.org/markup-compatibility/2006">
-        <mc:Choice xmlns:a14="http://schemas.microsoft.com/office/drawing/2010/main" Requires="a14">
+      <mc:AlternateContent xmlns:mc="http://schemas.openxmlformats.org/markup-compatibility/2006" xmlns:a14="http://schemas.microsoft.com/office/drawing/2010/main">
+        <mc:Choice Requires="a14">
           <p:sp>
             <p:nvSpPr>
               <p:cNvPr id="4" name="TextBox 3"/>
@@ -40902,7 +40795,6 @@
               </a:bodyPr>
               <a:lstStyle/>
               <a:p>
-                <a:pPr/>
                 <a14:m>
                   <m:oMath xmlns:m="http://schemas.openxmlformats.org/officeDocument/2006/math">
                     <m:r>
@@ -40946,7 +40838,7 @@
             </p:txBody>
           </p:sp>
         </mc:Choice>
-        <mc:Fallback>
+        <mc:Fallback xmlns="">
           <p:sp>
             <p:nvSpPr>
               <p:cNvPr id="4" name="TextBox 3"/>
@@ -40985,8 +40877,8 @@
           </p:sp>
         </mc:Fallback>
       </mc:AlternateContent>
-      <mc:AlternateContent xmlns:mc="http://schemas.openxmlformats.org/markup-compatibility/2006">
-        <mc:Choice xmlns:a14="http://schemas.microsoft.com/office/drawing/2010/main" Requires="a14">
+      <mc:AlternateContent xmlns:mc="http://schemas.openxmlformats.org/markup-compatibility/2006" xmlns:a14="http://schemas.microsoft.com/office/drawing/2010/main">
+        <mc:Choice Requires="a14">
           <p:sp>
             <p:nvSpPr>
               <p:cNvPr id="61" name="TextBox 60"/>
@@ -41020,7 +40912,7 @@
                         <m:funcPr>
                           <m:ctrlPr>
                             <a:rPr lang="en-US" sz="2400" b="0" i="1" smtClean="0">
-                              <a:latin typeface="Cambria Math" panose="02040503050406030204" pitchFamily="18" charset="0"/>
+                              <a:latin typeface="Cambria Math"/>
                             </a:rPr>
                           </m:ctrlPr>
                         </m:funcPr>
@@ -41061,7 +40953,7 @@
             </p:txBody>
           </p:sp>
         </mc:Choice>
-        <mc:Fallback>
+        <mc:Fallback xmlns="">
           <p:sp>
             <p:nvSpPr>
               <p:cNvPr id="61" name="TextBox 60"/>
@@ -41275,8 +41167,8 @@
           </a:p>
         </p:txBody>
       </p:sp>
-      <mc:AlternateContent xmlns:mc="http://schemas.openxmlformats.org/markup-compatibility/2006">
-        <mc:Choice xmlns:a14="http://schemas.microsoft.com/office/drawing/2010/main" Requires="a14">
+      <mc:AlternateContent xmlns:mc="http://schemas.openxmlformats.org/markup-compatibility/2006" xmlns:a14="http://schemas.microsoft.com/office/drawing/2010/main">
+        <mc:Choice Requires="a14">
           <p:sp>
             <p:nvSpPr>
               <p:cNvPr id="3" name="Content Placeholder 2"/>
@@ -41316,7 +41208,7 @@
                       <m:sSubPr>
                         <m:ctrlPr>
                           <a:rPr lang="en-US" sz="2400" b="0" i="1" smtClean="0">
-                            <a:latin typeface="Cambria Math" panose="02040503050406030204" pitchFamily="18" charset="0"/>
+                            <a:latin typeface="Cambria Math"/>
                           </a:rPr>
                         </m:ctrlPr>
                       </m:sSubPr>
@@ -41365,13 +41257,8 @@
                 </a14:m>
                 <a:r>
                   <a:rPr lang="en-US" sz="2400" dirty="0" smtClean="0"/>
-                  <a:t> </a:t>
+                  <a:t> particle</a:t>
                 </a:r>
-                <a:r>
-                  <a:rPr lang="en-US" sz="2400" dirty="0" smtClean="0"/>
-                  <a:t>particle</a:t>
-                </a:r>
-                <a:endParaRPr lang="en-US" sz="2400" dirty="0" smtClean="0"/>
               </a:p>
               <a:p>
                 <a:pPr lvl="1"/>
@@ -41404,7 +41291,7 @@
             </p:txBody>
           </p:sp>
         </mc:Choice>
-        <mc:Fallback>
+        <mc:Fallback xmlns="">
           <p:sp>
             <p:nvSpPr>
               <p:cNvPr id="3" name="Content Placeholder 2"/>
@@ -43243,8 +43130,8 @@
           </p:sp>
         </mc:Fallback>
       </mc:AlternateContent>
-      <mc:AlternateContent xmlns:mc="http://schemas.openxmlformats.org/markup-compatibility/2006">
-        <mc:Choice xmlns:a14="http://schemas.microsoft.com/office/drawing/2010/main" Requires="a14">
+      <mc:AlternateContent xmlns:mc="http://schemas.openxmlformats.org/markup-compatibility/2006" xmlns:a14="http://schemas.microsoft.com/office/drawing/2010/main">
+        <mc:Choice Requires="a14">
           <p:sp>
             <p:nvSpPr>
               <p:cNvPr id="57" name="TextBox 56"/>
@@ -43278,7 +43165,7 @@
                         <m:funcPr>
                           <m:ctrlPr>
                             <a:rPr lang="en-US" sz="2400" b="0" i="1" smtClean="0">
-                              <a:latin typeface="Cambria Math" panose="02040503050406030204" pitchFamily="18" charset="0"/>
+                              <a:latin typeface="Cambria Math"/>
                             </a:rPr>
                           </m:ctrlPr>
                         </m:funcPr>
@@ -43319,7 +43206,7 @@
             </p:txBody>
           </p:sp>
         </mc:Choice>
-        <mc:Fallback>
+        <mc:Fallback xmlns="">
           <p:sp>
             <p:nvSpPr>
               <p:cNvPr id="57" name="TextBox 56"/>
@@ -43358,8 +43245,8 @@
           </p:sp>
         </mc:Fallback>
       </mc:AlternateContent>
-      <mc:AlternateContent xmlns:mc="http://schemas.openxmlformats.org/markup-compatibility/2006">
-        <mc:Choice xmlns:a14="http://schemas.microsoft.com/office/drawing/2010/main" Requires="a14">
+      <mc:AlternateContent xmlns:mc="http://schemas.openxmlformats.org/markup-compatibility/2006" xmlns:a14="http://schemas.microsoft.com/office/drawing/2010/main">
+        <mc:Choice Requires="a14">
           <p:sp>
             <p:nvSpPr>
               <p:cNvPr id="4" name="TextBox 3"/>
@@ -43382,7 +43269,6 @@
               </a:bodyPr>
               <a:lstStyle/>
               <a:p>
-                <a:pPr/>
                 <a14:m>
                   <m:oMath xmlns:m="http://schemas.openxmlformats.org/officeDocument/2006/math">
                     <m:r>
@@ -43426,7 +43312,7 @@
             </p:txBody>
           </p:sp>
         </mc:Choice>
-        <mc:Fallback>
+        <mc:Fallback xmlns="">
           <p:sp>
             <p:nvSpPr>
               <p:cNvPr id="4" name="TextBox 3"/>
@@ -43465,8 +43351,8 @@
           </p:sp>
         </mc:Fallback>
       </mc:AlternateContent>
-      <mc:AlternateContent xmlns:mc="http://schemas.openxmlformats.org/markup-compatibility/2006">
-        <mc:Choice xmlns:a14="http://schemas.microsoft.com/office/drawing/2010/main" Requires="a14">
+      <mc:AlternateContent xmlns:mc="http://schemas.openxmlformats.org/markup-compatibility/2006" xmlns:a14="http://schemas.microsoft.com/office/drawing/2010/main">
+        <mc:Choice Requires="a14">
           <p:sp>
             <p:nvSpPr>
               <p:cNvPr id="61" name="TextBox 60"/>
@@ -43500,7 +43386,7 @@
                         <m:funcPr>
                           <m:ctrlPr>
                             <a:rPr lang="en-US" sz="2400" b="0" i="1" smtClean="0">
-                              <a:latin typeface="Cambria Math" panose="02040503050406030204" pitchFamily="18" charset="0"/>
+                              <a:latin typeface="Cambria Math"/>
                             </a:rPr>
                           </m:ctrlPr>
                         </m:funcPr>
@@ -43541,7 +43427,7 @@
             </p:txBody>
           </p:sp>
         </mc:Choice>
-        <mc:Fallback>
+        <mc:Fallback xmlns="">
           <p:sp>
             <p:nvSpPr>
               <p:cNvPr id="61" name="TextBox 60"/>
@@ -43580,8 +43466,8 @@
           </p:sp>
         </mc:Fallback>
       </mc:AlternateContent>
-      <mc:AlternateContent xmlns:mc="http://schemas.openxmlformats.org/markup-compatibility/2006">
-        <mc:Choice xmlns:a14="http://schemas.microsoft.com/office/drawing/2010/main" Requires="a14">
+      <mc:AlternateContent xmlns:mc="http://schemas.openxmlformats.org/markup-compatibility/2006" xmlns:a14="http://schemas.microsoft.com/office/drawing/2010/main">
+        <mc:Choice Requires="a14">
           <p:sp>
             <p:nvSpPr>
               <p:cNvPr id="62" name="TextBox 61"/>
@@ -43615,7 +43501,7 @@
                         <m:funcPr>
                           <m:ctrlPr>
                             <a:rPr lang="en-US" sz="2400" b="0" i="1" smtClean="0">
-                              <a:latin typeface="Cambria Math" panose="02040503050406030204" pitchFamily="18" charset="0"/>
+                              <a:latin typeface="Cambria Math"/>
                             </a:rPr>
                           </m:ctrlPr>
                         </m:funcPr>
@@ -43656,7 +43542,7 @@
             </p:txBody>
           </p:sp>
         </mc:Choice>
-        <mc:Fallback>
+        <mc:Fallback xmlns="">
           <p:sp>
             <p:nvSpPr>
               <p:cNvPr id="62" name="TextBox 61"/>
@@ -44359,7 +44245,7 @@
   <a:extraClrSchemeLst/>
   <a:extLst>
     <a:ext uri="{05A4C25C-085E-4340-85A3-A5531E510DB2}">
-      <thm15:themeFamily xmlns:thm15="http://schemas.microsoft.com/office/thememl/2012/main" name="Office Theme" id="{62F939B6-93AF-4DB8-9C6B-D6C7DFDC589F}" vid="{4A3C46E8-61CC-4603-A589-7422A47A8E4A}"/>
+      <thm15:themeFamily xmlns:thm15="http://schemas.microsoft.com/office/thememl/2012/main" xmlns="" name="Office Theme" id="{62F939B6-93AF-4DB8-9C6B-D6C7DFDC589F}" vid="{4A3C46E8-61CC-4603-A589-7422A47A8E4A}"/>
     </a:ext>
   </a:extLst>
 </a:theme>
